--- a/Documents/Final presentation/Fit or Fail Final Presentation.pptx
+++ b/Documents/Final presentation/Fit or Fail Final Presentation.pptx
@@ -260,7 +260,7 @@
           <a:p>
             <a:fld id="{92002A70-311A-4772-9C04-FF4E337CEBA6}" type="datetimeFigureOut">
               <a:rPr lang="en-US" smtClean="0"/>
-              <a:t>4/23/2020</a:t>
+              <a:t>4/24/2020</a:t>
             </a:fld>
             <a:endParaRPr lang="en-US"/>
           </a:p>
@@ -471,7 +471,7 @@
           <a:p>
             <a:fld id="{92002A70-311A-4772-9C04-FF4E337CEBA6}" type="datetimeFigureOut">
               <a:rPr lang="en-US" smtClean="0"/>
-              <a:t>4/23/2020</a:t>
+              <a:t>4/24/2020</a:t>
             </a:fld>
             <a:endParaRPr lang="en-US"/>
           </a:p>
@@ -686,7 +686,7 @@
           <a:p>
             <a:fld id="{92002A70-311A-4772-9C04-FF4E337CEBA6}" type="datetimeFigureOut">
               <a:rPr lang="en-US" smtClean="0"/>
-              <a:t>4/23/2020</a:t>
+              <a:t>4/24/2020</a:t>
             </a:fld>
             <a:endParaRPr lang="en-US"/>
           </a:p>
@@ -887,7 +887,7 @@
           <a:p>
             <a:fld id="{92002A70-311A-4772-9C04-FF4E337CEBA6}" type="datetimeFigureOut">
               <a:rPr lang="en-US" smtClean="0"/>
-              <a:t>4/23/2020</a:t>
+              <a:t>4/24/2020</a:t>
             </a:fld>
             <a:endParaRPr lang="en-US"/>
           </a:p>
@@ -1166,7 +1166,7 @@
           <a:p>
             <a:fld id="{92002A70-311A-4772-9C04-FF4E337CEBA6}" type="datetimeFigureOut">
               <a:rPr lang="en-US" smtClean="0"/>
-              <a:t>4/23/2020</a:t>
+              <a:t>4/24/2020</a:t>
             </a:fld>
             <a:endParaRPr lang="en-US"/>
           </a:p>
@@ -1434,7 +1434,7 @@
           <a:p>
             <a:fld id="{92002A70-311A-4772-9C04-FF4E337CEBA6}" type="datetimeFigureOut">
               <a:rPr lang="en-US" smtClean="0"/>
-              <a:t>4/23/2020</a:t>
+              <a:t>4/24/2020</a:t>
             </a:fld>
             <a:endParaRPr lang="en-US"/>
           </a:p>
@@ -1855,7 +1855,7 @@
           <a:p>
             <a:fld id="{92002A70-311A-4772-9C04-FF4E337CEBA6}" type="datetimeFigureOut">
               <a:rPr lang="en-US" smtClean="0"/>
-              <a:t>4/23/2020</a:t>
+              <a:t>4/24/2020</a:t>
             </a:fld>
             <a:endParaRPr lang="en-US"/>
           </a:p>
@@ -2009,7 +2009,7 @@
           <a:p>
             <a:fld id="{92002A70-311A-4772-9C04-FF4E337CEBA6}" type="datetimeFigureOut">
               <a:rPr lang="en-US" smtClean="0"/>
-              <a:t>4/23/2020</a:t>
+              <a:t>4/24/2020</a:t>
             </a:fld>
             <a:endParaRPr lang="en-US"/>
           </a:p>
@@ -2135,7 +2135,7 @@
           <a:p>
             <a:fld id="{92002A70-311A-4772-9C04-FF4E337CEBA6}" type="datetimeFigureOut">
               <a:rPr lang="en-US" smtClean="0"/>
-              <a:t>4/23/2020</a:t>
+              <a:t>4/24/2020</a:t>
             </a:fld>
             <a:endParaRPr lang="en-US"/>
           </a:p>
@@ -2386,7 +2386,7 @@
           <a:p>
             <a:fld id="{92002A70-311A-4772-9C04-FF4E337CEBA6}" type="datetimeFigureOut">
               <a:rPr lang="en-US" smtClean="0"/>
-              <a:t>4/23/2020</a:t>
+              <a:t>4/24/2020</a:t>
             </a:fld>
             <a:endParaRPr lang="en-US"/>
           </a:p>
@@ -2836,7 +2836,7 @@
           <a:p>
             <a:fld id="{92002A70-311A-4772-9C04-FF4E337CEBA6}" type="datetimeFigureOut">
               <a:rPr lang="en-US" smtClean="0"/>
-              <a:t>4/23/2020</a:t>
+              <a:t>4/24/2020</a:t>
             </a:fld>
             <a:endParaRPr lang="en-US"/>
           </a:p>
@@ -3162,7 +3162,7 @@
           <a:p>
             <a:fld id="{92002A70-311A-4772-9C04-FF4E337CEBA6}" type="datetimeFigureOut">
               <a:rPr lang="en-US" smtClean="0"/>
-              <a:t>4/23/2020</a:t>
+              <a:t>4/24/2020</a:t>
             </a:fld>
             <a:endParaRPr lang="en-US"/>
           </a:p>
@@ -3972,8 +3972,13 @@
             </a:pPr>
             <a:r>
               <a:rPr lang="en-US" dirty="0" smtClean="0"/>
-              <a:t>Server-Side Rendering and Static Site Generation</a:t>
-            </a:r>
+              <a:t>Server-Side Rendering and </a:t>
+            </a:r>
+            <a:r>
+              <a:rPr lang="en-US" dirty="0" smtClean="0"/>
+              <a:t>pre-rendering to static HTML</a:t>
+            </a:r>
+            <a:endParaRPr lang="en-US" dirty="0" smtClean="0"/>
           </a:p>
           <a:p>
             <a:pPr marL="1200150" lvl="2" indent="-285750">
@@ -5191,11 +5196,7 @@
             </a:r>
             <a:r>
               <a:rPr lang="en-US" dirty="0" smtClean="0"/>
-              <a:t>– </a:t>
-            </a:r>
-            <a:r>
-              <a:rPr lang="en-US" dirty="0" smtClean="0"/>
-              <a:t>Entire backend and frontend, primary designer, </a:t>
+              <a:t>– Entire backend and frontend, primary designer, </a:t>
             </a:r>
             <a:r>
               <a:rPr lang="en-US" dirty="0"/>
@@ -5205,7 +5206,6 @@
               <a:rPr lang="en-US" dirty="0" smtClean="0"/>
               <a:t>coordinator</a:t>
             </a:r>
-            <a:endParaRPr lang="en-US" dirty="0" smtClean="0"/>
           </a:p>
           <a:p>
             <a:r>

--- a/Documents/Final presentation/Fit or Fail Final Presentation.pptx
+++ b/Documents/Final presentation/Fit or Fail Final Presentation.pptx
@@ -3972,13 +3972,8 @@
             </a:pPr>
             <a:r>
               <a:rPr lang="en-US" dirty="0" smtClean="0"/>
-              <a:t>Server-Side Rendering and </a:t>
-            </a:r>
-            <a:r>
-              <a:rPr lang="en-US" dirty="0" smtClean="0"/>
-              <a:t>pre-rendering to static HTML</a:t>
-            </a:r>
-            <a:endParaRPr lang="en-US" dirty="0" smtClean="0"/>
+              <a:t>Server-Side Rendering and pre-rendering to static HTML</a:t>
+            </a:r>
           </a:p>
           <a:p>
             <a:pPr marL="1200150" lvl="2" indent="-285750">
@@ -6303,25 +6298,25 @@
               <a:buAutoNum type="arabicPeriod"/>
             </a:pPr>
             <a:r>
-              <a:rPr lang="en-US" sz="1400" dirty="0"/>
+              <a:rPr lang="en-US" sz="1600" dirty="0"/>
               <a:t>Live multiplayer mode</a:t>
             </a:r>
           </a:p>
           <a:p>
             <a:pPr lvl="1"/>
             <a:r>
-              <a:rPr lang="en-US" sz="1000" dirty="0" err="1"/>
+              <a:rPr lang="en-US" sz="1200" dirty="0" err="1"/>
               <a:t>Kahoot</a:t>
             </a:r>
             <a:r>
-              <a:rPr lang="en-US" sz="1000" dirty="0"/>
+              <a:rPr lang="en-US" sz="1200" dirty="0"/>
               <a:t>!</a:t>
             </a:r>
           </a:p>
           <a:p>
             <a:pPr lvl="1"/>
             <a:r>
-              <a:rPr lang="en-US" sz="1000" dirty="0"/>
+              <a:rPr lang="en-US" sz="1200" dirty="0"/>
               <a:t>User Teams</a:t>
             </a:r>
           </a:p>
@@ -6331,21 +6326,21 @@
               <a:buAutoNum type="arabicPeriod"/>
             </a:pPr>
             <a:r>
-              <a:rPr lang="en-US" sz="1400" dirty="0"/>
+              <a:rPr lang="en-US" sz="1600" dirty="0"/>
               <a:t>Continue to add questions to the game</a:t>
             </a:r>
           </a:p>
           <a:p>
             <a:pPr lvl="1"/>
             <a:r>
-              <a:rPr lang="en-US" sz="1000" dirty="0"/>
+              <a:rPr lang="en-US" sz="1200" dirty="0"/>
               <a:t>Separation of question categories; different game “themes”</a:t>
             </a:r>
           </a:p>
           <a:p>
             <a:pPr lvl="2"/>
             <a:r>
-              <a:rPr lang="en-US" sz="1000" dirty="0"/>
+              <a:rPr lang="en-US" sz="1200" dirty="0"/>
               <a:t>Ex: Healthy eating, muscle development, etc.</a:t>
             </a:r>
           </a:p>
@@ -6355,7 +6350,7 @@
               <a:buAutoNum type="arabicPeriod"/>
             </a:pPr>
             <a:r>
-              <a:rPr lang="en-US" sz="1400" dirty="0"/>
+              <a:rPr lang="en-US" sz="1600" dirty="0"/>
               <a:t>Full donations implementation</a:t>
             </a:r>
           </a:p>
@@ -6365,21 +6360,21 @@
               <a:buAutoNum type="arabicPeriod"/>
             </a:pPr>
             <a:r>
-              <a:rPr lang="en-US" sz="1400" dirty="0"/>
+              <a:rPr lang="en-US" sz="1600" dirty="0"/>
               <a:t>Work with advertisers to curate appropriate advertising and consistent funding</a:t>
             </a:r>
           </a:p>
           <a:p>
             <a:pPr lvl="1"/>
             <a:r>
-              <a:rPr lang="en-US" sz="1000" dirty="0"/>
+              <a:rPr lang="en-US" sz="1200" dirty="0"/>
               <a:t>System for ads to be reviews by government officials before they’re </a:t>
             </a:r>
             <a:r>
-              <a:rPr lang="en-US" sz="1000" dirty="0" smtClean="0"/>
+              <a:rPr lang="en-US" sz="1200" dirty="0" smtClean="0"/>
               <a:t>posted</a:t>
             </a:r>
-            <a:endParaRPr lang="en-US" sz="1000" dirty="0"/>
+            <a:endParaRPr lang="en-US" sz="1200" dirty="0"/>
           </a:p>
         </p:txBody>
       </p:sp>
@@ -6408,74 +6403,74 @@
               <a:buAutoNum type="arabicPeriod" startAt="5"/>
             </a:pPr>
             <a:r>
-              <a:rPr lang="en-US" sz="1400" dirty="0"/>
+              <a:rPr lang="en-US" sz="1600" dirty="0"/>
               <a:t>New features coming in the future, such as</a:t>
             </a:r>
             <a:r>
-              <a:rPr lang="en-US" sz="1400" dirty="0" smtClean="0"/>
+              <a:rPr lang="en-US" sz="1600" dirty="0" smtClean="0"/>
               <a:t>:</a:t>
             </a:r>
-            <a:endParaRPr lang="en-US" sz="1400" dirty="0"/>
+            <a:endParaRPr lang="en-US" sz="1600" dirty="0"/>
           </a:p>
           <a:p>
             <a:pPr lvl="1"/>
             <a:r>
-              <a:rPr lang="en-US" sz="1000" dirty="0" smtClean="0"/>
+              <a:rPr lang="en-US" sz="1200" dirty="0" smtClean="0"/>
               <a:t>Custom profile pictures</a:t>
             </a:r>
           </a:p>
           <a:p>
             <a:pPr lvl="1"/>
             <a:r>
-              <a:rPr lang="en-US" sz="1000" dirty="0" smtClean="0"/>
+              <a:rPr lang="en-US" sz="1200" dirty="0" smtClean="0"/>
               <a:t>Editable </a:t>
             </a:r>
             <a:r>
-              <a:rPr lang="en-US" sz="1000" dirty="0" err="1" smtClean="0"/>
+              <a:rPr lang="en-US" sz="1200" dirty="0" err="1" smtClean="0"/>
               <a:t>userpages</a:t>
             </a:r>
-            <a:endParaRPr lang="en-US" sz="1000" dirty="0"/>
+            <a:endParaRPr lang="en-US" sz="1200" dirty="0"/>
           </a:p>
           <a:p>
             <a:pPr lvl="2"/>
             <a:r>
-              <a:rPr lang="en-US" sz="1000" dirty="0"/>
+              <a:rPr lang="en-US" sz="1200" dirty="0"/>
               <a:t>Bio, background color</a:t>
             </a:r>
           </a:p>
           <a:p>
             <a:pPr lvl="1"/>
             <a:r>
-              <a:rPr lang="en-US" sz="1000" dirty="0"/>
+              <a:rPr lang="en-US" sz="1200" dirty="0"/>
               <a:t>Friends list</a:t>
             </a:r>
           </a:p>
           <a:p>
             <a:pPr lvl="1"/>
             <a:r>
-              <a:rPr lang="en-US" sz="1000" dirty="0" smtClean="0"/>
+              <a:rPr lang="en-US" sz="1200" dirty="0" smtClean="0"/>
               <a:t>Donor role</a:t>
             </a:r>
           </a:p>
           <a:p>
             <a:pPr lvl="1"/>
             <a:r>
-              <a:rPr lang="en-US" sz="1000" dirty="0" smtClean="0"/>
+              <a:rPr lang="en-US" sz="1200" dirty="0" smtClean="0"/>
               <a:t>Detailed </a:t>
             </a:r>
             <a:r>
-              <a:rPr lang="en-US" sz="1000" dirty="0"/>
+              <a:rPr lang="en-US" sz="1200" dirty="0"/>
               <a:t>site-wide statistics, categorized by month</a:t>
             </a:r>
           </a:p>
           <a:p>
             <a:pPr lvl="1"/>
             <a:r>
-              <a:rPr lang="en-US" sz="1000" dirty="0"/>
+              <a:rPr lang="en-US" sz="1200" dirty="0"/>
               <a:t>Generally-improved </a:t>
             </a:r>
             <a:r>
-              <a:rPr lang="en-US" sz="1000" dirty="0" smtClean="0"/>
+              <a:rPr lang="en-US" sz="1200" dirty="0" smtClean="0"/>
               <a:t>API</a:t>
             </a:r>
           </a:p>
@@ -6485,40 +6480,40 @@
               <a:buAutoNum type="arabicPeriod" startAt="6"/>
             </a:pPr>
             <a:r>
-              <a:rPr lang="en-US" sz="1400" dirty="0" smtClean="0"/>
+              <a:rPr lang="en-US" sz="1600" dirty="0" smtClean="0"/>
               <a:t>General </a:t>
             </a:r>
             <a:r>
-              <a:rPr lang="en-US" sz="1400" dirty="0"/>
+              <a:rPr lang="en-US" sz="1600" dirty="0"/>
               <a:t>site maintenance and testing</a:t>
             </a:r>
           </a:p>
           <a:p>
             <a:pPr lvl="1"/>
             <a:r>
-              <a:rPr lang="en-US" sz="1000" dirty="0"/>
+              <a:rPr lang="en-US" sz="1200" dirty="0"/>
               <a:t>Add animations throughout </a:t>
             </a:r>
             <a:r>
-              <a:rPr lang="en-US" sz="1000" dirty="0" smtClean="0"/>
+              <a:rPr lang="en-US" sz="1200" dirty="0" smtClean="0"/>
               <a:t>for </a:t>
             </a:r>
             <a:r>
-              <a:rPr lang="en-US" sz="1000" dirty="0"/>
+              <a:rPr lang="en-US" sz="1200" dirty="0"/>
               <a:t>a smoother user experience</a:t>
             </a:r>
           </a:p>
           <a:p>
             <a:pPr lvl="1"/>
             <a:r>
-              <a:rPr lang="en-US" sz="1000" dirty="0"/>
+              <a:rPr lang="en-US" sz="1200" dirty="0"/>
               <a:t>More diverse typography</a:t>
             </a:r>
           </a:p>
           <a:p>
             <a:pPr lvl="1"/>
             <a:r>
-              <a:rPr lang="en-US" sz="1000" dirty="0"/>
+              <a:rPr lang="en-US" sz="1200" dirty="0"/>
               <a:t>Mobile optimizations where needed</a:t>
             </a:r>
           </a:p>

--- a/Documents/Final presentation/Fit or Fail Final Presentation.pptx
+++ b/Documents/Final presentation/Fit or Fail Final Presentation.pptx
@@ -11,10 +11,9 @@
     <p:sldId id="276" r:id="rId5"/>
     <p:sldId id="260" r:id="rId6"/>
     <p:sldId id="272" r:id="rId7"/>
-    <p:sldId id="279" r:id="rId8"/>
-    <p:sldId id="282" r:id="rId9"/>
-    <p:sldId id="281" r:id="rId10"/>
-    <p:sldId id="280" r:id="rId11"/>
+    <p:sldId id="282" r:id="rId8"/>
+    <p:sldId id="281" r:id="rId9"/>
+    <p:sldId id="280" r:id="rId10"/>
   </p:sldIdLst>
   <p:sldSz cx="12192000" cy="6858000"/>
   <p:notesSz cx="6858000" cy="9144000"/>
@@ -3758,52 +3757,47 @@
               <a:t>Christian </a:t>
             </a:r>
             <a:r>
-              <a:rPr lang="en-US" dirty="0" err="1" smtClean="0"/>
+              <a:rPr lang="en-US" dirty="0" err="1"/>
               <a:t>Sauls</a:t>
             </a:r>
-            <a:endParaRPr lang="en-US" dirty="0" smtClean="0"/>
-          </a:p>
-          <a:p>
-            <a:r>
-              <a:rPr lang="en-US" dirty="0" smtClean="0"/>
-              <a:t>Travis </a:t>
-            </a:r>
+            <a:endParaRPr lang="en-US" dirty="0"/>
+          </a:p>
+          <a:p>
             <a:r>
               <a:rPr lang="en-US" dirty="0"/>
-              <a:t>Stewart</a:t>
-            </a:r>
-          </a:p>
-          <a:p>
-            <a:r>
-              <a:rPr lang="en-US" dirty="0" smtClean="0"/>
+              <a:t>Travis Stewart</a:t>
+            </a:r>
+          </a:p>
+          <a:p>
+            <a:r>
+              <a:rPr lang="en-US" dirty="0"/>
               <a:t>Josh </a:t>
             </a:r>
             <a:r>
-              <a:rPr lang="en-US" dirty="0" err="1" smtClean="0"/>
+              <a:rPr lang="en-US" dirty="0" err="1"/>
               <a:t>Shevitz</a:t>
             </a:r>
-            <a:endParaRPr lang="en-US" dirty="0" smtClean="0"/>
-          </a:p>
-          <a:p>
-            <a:r>
-              <a:rPr lang="en-US" dirty="0" err="1" smtClean="0"/>
+            <a:endParaRPr lang="en-US" dirty="0"/>
+          </a:p>
+          <a:p>
+            <a:r>
+              <a:rPr lang="en-US" dirty="0" err="1"/>
               <a:t>Kafui</a:t>
             </a:r>
             <a:r>
-              <a:rPr lang="en-US" dirty="0" smtClean="0"/>
+              <a:rPr lang="en-US" dirty="0"/>
               <a:t> D</a:t>
             </a:r>
           </a:p>
           <a:p>
             <a:r>
-              <a:rPr lang="en-US" dirty="0" err="1" smtClean="0"/>
+              <a:rPr lang="en-US" dirty="0" err="1"/>
               <a:t>Adamma</a:t>
             </a:r>
             <a:r>
-              <a:rPr lang="en-US" dirty="0" smtClean="0"/>
+              <a:rPr lang="en-US" dirty="0"/>
               <a:t> Newman</a:t>
             </a:r>
-            <a:endParaRPr lang="en-US" dirty="0"/>
           </a:p>
         </p:txBody>
       </p:sp>
@@ -3844,428 +3838,6 @@
     <p:extLst>
       <p:ext uri="{BB962C8B-B14F-4D97-AF65-F5344CB8AC3E}">
         <p14:creationId xmlns:p14="http://schemas.microsoft.com/office/powerpoint/2010/main" val="2035000044"/>
-      </p:ext>
-    </p:extLst>
-  </p:cSld>
-  <p:clrMapOvr>
-    <a:masterClrMapping/>
-  </p:clrMapOvr>
-</p:sld>
-</file>
-
-<file path=ppt/slides/slide10.xml><?xml version="1.0" encoding="utf-8"?>
-<p:sld xmlns:a="http://schemas.openxmlformats.org/drawingml/2006/main" xmlns:r="http://schemas.openxmlformats.org/officeDocument/2006/relationships" xmlns:p="http://schemas.openxmlformats.org/presentationml/2006/main">
-  <p:cSld>
-    <p:spTree>
-      <p:nvGrpSpPr>
-        <p:cNvPr id="1" name=""/>
-        <p:cNvGrpSpPr/>
-        <p:nvPr/>
-      </p:nvGrpSpPr>
-      <p:grpSpPr>
-        <a:xfrm>
-          <a:off x="0" y="0"/>
-          <a:ext cx="0" cy="0"/>
-          <a:chOff x="0" y="0"/>
-          <a:chExt cx="0" cy="0"/>
-        </a:xfrm>
-      </p:grpSpPr>
-      <p:sp>
-        <p:nvSpPr>
-          <p:cNvPr id="2" name="Title 1">
-            <a:extLst>
-              <a:ext uri="{FF2B5EF4-FFF2-40B4-BE49-F238E27FC236}">
-                <a16:creationId xmlns:a16="http://schemas.microsoft.com/office/drawing/2014/main" id="{2CA9E641-81A2-44B5-B4CB-6723E8C21FE0}"/>
-              </a:ext>
-            </a:extLst>
-          </p:cNvPr>
-          <p:cNvSpPr>
-            <a:spLocks noGrp="1"/>
-          </p:cNvSpPr>
-          <p:nvPr>
-            <p:ph type="title"/>
-          </p:nvPr>
-        </p:nvSpPr>
-        <p:spPr/>
-        <p:txBody>
-          <a:bodyPr/>
-          <a:lstStyle/>
-          <a:p>
-            <a:pPr algn="ctr"/>
-            <a:r>
-              <a:rPr lang="en-US" dirty="0" smtClean="0"/>
-              <a:t>What Sets Our Product Apart</a:t>
-            </a:r>
-            <a:endParaRPr lang="en-US" dirty="0"/>
-          </a:p>
-        </p:txBody>
-      </p:sp>
-      <p:sp>
-        <p:nvSpPr>
-          <p:cNvPr id="3" name="TextBox 2">
-            <a:extLst>
-              <a:ext uri="{FF2B5EF4-FFF2-40B4-BE49-F238E27FC236}">
-                <a16:creationId xmlns:a16="http://schemas.microsoft.com/office/drawing/2014/main" id="{B41DE0C5-0AA1-4424-AD6A-08C65573B5FE}"/>
-              </a:ext>
-            </a:extLst>
-          </p:cNvPr>
-          <p:cNvSpPr txBox="1"/>
-          <p:nvPr/>
-        </p:nvSpPr>
-        <p:spPr>
-          <a:xfrm>
-            <a:off x="1451579" y="1853754"/>
-            <a:ext cx="9603275" cy="4247317"/>
-          </a:xfrm>
-          <a:prstGeom prst="rect">
-            <a:avLst/>
-          </a:prstGeom>
-          <a:noFill/>
-        </p:spPr>
-        <p:txBody>
-          <a:bodyPr wrap="square" rtlCol="0">
-            <a:spAutoFit/>
-          </a:bodyPr>
-          <a:lstStyle/>
-          <a:p>
-            <a:pPr marL="285750" indent="-285750">
-              <a:buFont typeface="Arial" panose="020B0604020202020204" pitchFamily="34" charset="0"/>
-              <a:buChar char="•"/>
-            </a:pPr>
-            <a:r>
-              <a:rPr lang="en-US" dirty="0" smtClean="0"/>
-              <a:t>Mobile-first, garnering the most traffic, especially for our target demographic</a:t>
-            </a:r>
-            <a:endParaRPr lang="en-US" dirty="0"/>
-          </a:p>
-          <a:p>
-            <a:pPr marL="285750" indent="-285750">
-              <a:buFont typeface="Arial" panose="020B0604020202020204" pitchFamily="34" charset="0"/>
-              <a:buChar char="•"/>
-            </a:pPr>
-            <a:r>
-              <a:rPr lang="en-US" dirty="0" smtClean="0"/>
-              <a:t>Next.js</a:t>
-            </a:r>
-          </a:p>
-          <a:p>
-            <a:pPr marL="742950" lvl="1" indent="-285750">
-              <a:buFont typeface="Arial" panose="020B0604020202020204" pitchFamily="34" charset="0"/>
-              <a:buChar char="•"/>
-            </a:pPr>
-            <a:r>
-              <a:rPr lang="en-US" dirty="0" smtClean="0"/>
-              <a:t>Not just another bulky </a:t>
-            </a:r>
-            <a:r>
-              <a:rPr lang="en-US" dirty="0" smtClean="0">
-                <a:latin typeface="Consolas" panose="020B0609020204030204" pitchFamily="49" charset="0"/>
-              </a:rPr>
-              <a:t>create-react-app</a:t>
-            </a:r>
-            <a:endParaRPr lang="en-US" dirty="0" smtClean="0"/>
-          </a:p>
-          <a:p>
-            <a:pPr marL="742950" lvl="1" indent="-285750">
-              <a:buFont typeface="Arial" panose="020B0604020202020204" pitchFamily="34" charset="0"/>
-              <a:buChar char="•"/>
-            </a:pPr>
-            <a:r>
-              <a:rPr lang="en-US" dirty="0" smtClean="0"/>
-              <a:t>Server-Side Rendering and pre-rendering to static HTML</a:t>
-            </a:r>
-          </a:p>
-          <a:p>
-            <a:pPr marL="1200150" lvl="2" indent="-285750">
-              <a:buFont typeface="Arial" panose="020B0604020202020204" pitchFamily="34" charset="0"/>
-              <a:buChar char="•"/>
-            </a:pPr>
-            <a:r>
-              <a:rPr lang="en-US" dirty="0" smtClean="0"/>
-              <a:t>Pages delivered blazingly fast: place static files on the edge (CDN)</a:t>
-            </a:r>
-          </a:p>
-          <a:p>
-            <a:pPr marL="1200150" lvl="2" indent="-285750">
-              <a:buFont typeface="Arial" panose="020B0604020202020204" pitchFamily="34" charset="0"/>
-              <a:buChar char="•"/>
-            </a:pPr>
-            <a:r>
-              <a:rPr lang="en-US" dirty="0" smtClean="0"/>
-              <a:t>SEO-friendly</a:t>
-            </a:r>
-          </a:p>
-          <a:p>
-            <a:pPr marL="1200150" lvl="2" indent="-285750">
-              <a:buFont typeface="Arial" panose="020B0604020202020204" pitchFamily="34" charset="0"/>
-              <a:buChar char="•"/>
-            </a:pPr>
-            <a:r>
-              <a:rPr lang="en-US" dirty="0" smtClean="0"/>
-              <a:t>Future-proof in terms of web development trends</a:t>
-            </a:r>
-          </a:p>
-          <a:p>
-            <a:pPr marL="742950" lvl="1" indent="-285750">
-              <a:buFont typeface="Arial" panose="020B0604020202020204" pitchFamily="34" charset="0"/>
-              <a:buChar char="•"/>
-            </a:pPr>
-            <a:r>
-              <a:rPr lang="en-US" dirty="0"/>
-              <a:t>Deployment of site is simple and </a:t>
-            </a:r>
-            <a:r>
-              <a:rPr lang="en-US" dirty="0" smtClean="0"/>
-              <a:t>fast</a:t>
-            </a:r>
-          </a:p>
-          <a:p>
-            <a:pPr marL="742950" lvl="1" indent="-285750">
-              <a:buFont typeface="Arial" panose="020B0604020202020204" pitchFamily="34" charset="0"/>
-              <a:buChar char="•"/>
-            </a:pPr>
-            <a:r>
-              <a:rPr lang="en-US" dirty="0" smtClean="0"/>
-              <a:t>One of the most popular React frameworks that has continuous growth</a:t>
-            </a:r>
-          </a:p>
-          <a:p>
-            <a:pPr marL="1200150" lvl="2" indent="-285750">
-              <a:buFont typeface="Arial" panose="020B0604020202020204" pitchFamily="34" charset="0"/>
-              <a:buChar char="•"/>
-            </a:pPr>
-            <a:r>
-              <a:rPr lang="en-US" dirty="0" smtClean="0"/>
-              <a:t>Netflix, </a:t>
-            </a:r>
-            <a:r>
-              <a:rPr lang="en-US" dirty="0" err="1" smtClean="0"/>
-              <a:t>Tencent</a:t>
-            </a:r>
-            <a:r>
-              <a:rPr lang="en-US" dirty="0" smtClean="0"/>
-              <a:t>, Hulu, GitHub, Twitch, Uber, Starbucks, Docker, </a:t>
-            </a:r>
-            <a:r>
-              <a:rPr lang="en-US" dirty="0" err="1" smtClean="0"/>
-              <a:t>Coinbase</a:t>
-            </a:r>
-            <a:r>
-              <a:rPr lang="en-US" dirty="0" smtClean="0"/>
-              <a:t>…</a:t>
-            </a:r>
-          </a:p>
-          <a:p>
-            <a:pPr marL="1200150" lvl="2" indent="-285750">
-              <a:buFont typeface="Arial" panose="020B0604020202020204" pitchFamily="34" charset="0"/>
-              <a:buChar char="•"/>
-            </a:pPr>
-            <a:r>
-              <a:rPr lang="en-US" dirty="0" smtClean="0"/>
-              <a:t>Just received $21M Series A Funding</a:t>
-            </a:r>
-          </a:p>
-          <a:p>
-            <a:pPr marL="285750" indent="-285750">
-              <a:buFont typeface="Arial" panose="020B0604020202020204" pitchFamily="34" charset="0"/>
-              <a:buChar char="•"/>
-            </a:pPr>
-            <a:r>
-              <a:rPr lang="en-US" dirty="0" smtClean="0"/>
-              <a:t>Entirely custom</a:t>
-            </a:r>
-          </a:p>
-          <a:p>
-            <a:pPr marL="742950" lvl="1" indent="-285750">
-              <a:buFont typeface="Arial" panose="020B0604020202020204" pitchFamily="34" charset="0"/>
-              <a:buChar char="•"/>
-            </a:pPr>
-            <a:r>
-              <a:rPr lang="en-US" dirty="0"/>
-              <a:t>Written in the languages that developers already know and </a:t>
-            </a:r>
-            <a:r>
-              <a:rPr lang="en-US" dirty="0" smtClean="0"/>
-              <a:t>love</a:t>
-            </a:r>
-          </a:p>
-          <a:p>
-            <a:pPr marL="742950" lvl="1" indent="-285750">
-              <a:buFont typeface="Arial" panose="020B0604020202020204" pitchFamily="34" charset="0"/>
-              <a:buChar char="•"/>
-            </a:pPr>
-            <a:r>
-              <a:rPr lang="en-US" dirty="0" smtClean="0"/>
-              <a:t>Not predicated on restrictive 3</a:t>
-            </a:r>
-            <a:r>
-              <a:rPr lang="en-US" baseline="30000" dirty="0" smtClean="0"/>
-              <a:t>rd</a:t>
-            </a:r>
-            <a:r>
-              <a:rPr lang="en-US" dirty="0" smtClean="0"/>
-              <a:t>-party services or obscure technologies</a:t>
-            </a:r>
-          </a:p>
-          <a:p>
-            <a:pPr marL="742950" lvl="1" indent="-285750">
-              <a:buFont typeface="Arial" panose="020B0604020202020204" pitchFamily="34" charset="0"/>
-              <a:buChar char="•"/>
-            </a:pPr>
-            <a:r>
-              <a:rPr lang="en-US" dirty="0" smtClean="0"/>
-              <a:t>Easy to expand and tweak on the fly</a:t>
-            </a:r>
-          </a:p>
-        </p:txBody>
-      </p:sp>
-      <p:pic>
-        <p:nvPicPr>
-          <p:cNvPr id="4" name="Picture 3"/>
-          <p:cNvPicPr>
-            <a:picLocks noChangeAspect="1"/>
-          </p:cNvPicPr>
-          <p:nvPr/>
-        </p:nvPicPr>
-        <p:blipFill rotWithShape="1">
-          <a:blip r:embed="rId2">
-            <a:extLst>
-              <a:ext uri="{28A0092B-C50C-407E-A947-70E740481C1C}">
-                <a14:useLocalDpi xmlns:a14="http://schemas.microsoft.com/office/drawing/2010/main" val="0"/>
-              </a:ext>
-            </a:extLst>
-          </a:blip>
-          <a:srcRect l="33273" r="33379"/>
-          <a:stretch/>
-        </p:blipFill>
-        <p:spPr>
-          <a:xfrm>
-            <a:off x="8935109" y="2084647"/>
-            <a:ext cx="2119745" cy="2118822"/>
-          </a:xfrm>
-          <a:prstGeom prst="rect">
-            <a:avLst/>
-          </a:prstGeom>
-        </p:spPr>
-      </p:pic>
-      <p:pic>
-        <p:nvPicPr>
-          <p:cNvPr id="1026" name="Picture 2" descr="React (web framework) - Wikipedia"/>
-          <p:cNvPicPr>
-            <a:picLocks noChangeAspect="1" noChangeArrowheads="1"/>
-          </p:cNvPicPr>
-          <p:nvPr/>
-        </p:nvPicPr>
-        <p:blipFill>
-          <a:blip r:embed="rId3" cstate="hqprint">
-            <a:extLst>
-              <a:ext uri="{BEBA8EAE-BF5A-486C-A8C5-ECC9F3942E4B}">
-                <a14:imgProps xmlns:a14="http://schemas.microsoft.com/office/drawing/2010/main">
-                  <a14:imgLayer r:embed="rId4">
-                    <a14:imgEffect>
-                      <a14:colorTemperature colorTemp="7200"/>
-                    </a14:imgEffect>
-                  </a14:imgLayer>
-                </a14:imgProps>
-              </a:ext>
-              <a:ext uri="{28A0092B-C50C-407E-A947-70E740481C1C}">
-                <a14:useLocalDpi xmlns:a14="http://schemas.microsoft.com/office/drawing/2010/main" val="0"/>
-              </a:ext>
-            </a:extLst>
-          </a:blip>
-          <a:srcRect/>
-          <a:stretch>
-            <a:fillRect/>
-          </a:stretch>
-        </p:blipFill>
-        <p:spPr bwMode="auto">
-          <a:xfrm>
-            <a:off x="-445138" y="4389120"/>
-            <a:ext cx="2595767" cy="1834342"/>
-          </a:xfrm>
-          <a:prstGeom prst="rect">
-            <a:avLst/>
-          </a:prstGeom>
-          <a:noFill/>
-          <a:extLst>
-            <a:ext uri="{909E8E84-426E-40DD-AFC4-6F175D3DCCD1}">
-              <a14:hiddenFill xmlns:a14="http://schemas.microsoft.com/office/drawing/2010/main">
-                <a:solidFill>
-                  <a:srgbClr val="FFFFFF"/>
-                </a:solidFill>
-              </a14:hiddenFill>
-            </a:ext>
-          </a:extLst>
-        </p:spPr>
-      </p:pic>
-      <p:pic>
-        <p:nvPicPr>
-          <p:cNvPr id="1030" name="Picture 6" descr="Web Apps Development Certification Course | Learn Node.js, Express ..."/>
-          <p:cNvPicPr>
-            <a:picLocks noChangeAspect="1" noChangeArrowheads="1"/>
-          </p:cNvPicPr>
-          <p:nvPr/>
-        </p:nvPicPr>
-        <p:blipFill>
-          <a:blip r:embed="rId5">
-            <a:extLst>
-              <a:ext uri="{28A0092B-C50C-407E-A947-70E740481C1C}">
-                <a14:useLocalDpi xmlns:a14="http://schemas.microsoft.com/office/drawing/2010/main" val="0"/>
-              </a:ext>
-            </a:extLst>
-          </a:blip>
-          <a:srcRect/>
-          <a:stretch>
-            <a:fillRect/>
-          </a:stretch>
-        </p:blipFill>
-        <p:spPr bwMode="auto">
-          <a:xfrm>
-            <a:off x="124690" y="131550"/>
-            <a:ext cx="2372499" cy="1345938"/>
-          </a:xfrm>
-          <a:prstGeom prst="rect">
-            <a:avLst/>
-          </a:prstGeom>
-          <a:noFill/>
-          <a:extLst>
-            <a:ext uri="{909E8E84-426E-40DD-AFC4-6F175D3DCCD1}">
-              <a14:hiddenFill xmlns:a14="http://schemas.microsoft.com/office/drawing/2010/main">
-                <a:solidFill>
-                  <a:srgbClr val="FFFFFF"/>
-                </a:solidFill>
-              </a14:hiddenFill>
-            </a:ext>
-          </a:extLst>
-        </p:spPr>
-      </p:pic>
-      <p:pic>
-        <p:nvPicPr>
-          <p:cNvPr id="5" name="Picture 4"/>
-          <p:cNvPicPr>
-            <a:picLocks noChangeAspect="1"/>
-          </p:cNvPicPr>
-          <p:nvPr/>
-        </p:nvPicPr>
-        <p:blipFill rotWithShape="1">
-          <a:blip r:embed="rId6"/>
-          <a:srcRect r="21825"/>
-          <a:stretch/>
-        </p:blipFill>
-        <p:spPr>
-          <a:xfrm>
-            <a:off x="9303429" y="5244639"/>
-            <a:ext cx="2803464" cy="795820"/>
-          </a:xfrm>
-          <a:prstGeom prst="rect">
-            <a:avLst/>
-          </a:prstGeom>
-        </p:spPr>
-      </p:pic>
-    </p:spTree>
-    <p:extLst>
-      <p:ext uri="{BB962C8B-B14F-4D97-AF65-F5344CB8AC3E}">
-        <p14:creationId xmlns:p14="http://schemas.microsoft.com/office/powerpoint/2010/main" val="1434568507"/>
       </p:ext>
     </p:extLst>
   </p:cSld>
@@ -4734,10 +4306,9 @@
               <a:buNone/>
             </a:pPr>
             <a:r>
-              <a:rPr lang="en-US" sz="1800" u="sng" dirty="0" smtClean="0"/>
+              <a:rPr lang="en-US" sz="1800" u="sng" dirty="0"/>
               <a:t>Front end</a:t>
             </a:r>
-            <a:endParaRPr lang="en-US" sz="1800" u="sng" dirty="0"/>
           </a:p>
           <a:p>
             <a:pPr>
@@ -4745,7 +4316,7 @@
               <a:buChar char="o"/>
             </a:pPr>
             <a:r>
-              <a:rPr lang="en-US" sz="1600" dirty="0" smtClean="0"/>
+              <a:rPr lang="en-US" sz="1600" dirty="0"/>
               <a:t>React</a:t>
             </a:r>
           </a:p>
@@ -4755,10 +4326,9 @@
               <a:buChar char="o"/>
             </a:pPr>
             <a:r>
-              <a:rPr lang="en-US" sz="1600" dirty="0" smtClean="0"/>
+              <a:rPr lang="en-US" sz="1600" dirty="0"/>
               <a:t>Next.js</a:t>
             </a:r>
-            <a:endParaRPr lang="en-US" sz="1600" dirty="0"/>
           </a:p>
           <a:p>
             <a:pPr>
@@ -4766,10 +4336,9 @@
               <a:buChar char="o"/>
             </a:pPr>
             <a:r>
-              <a:rPr lang="en-US" sz="1600" dirty="0" smtClean="0"/>
+              <a:rPr lang="en-US" sz="1600" dirty="0"/>
               <a:t>JavaScript</a:t>
             </a:r>
-            <a:endParaRPr lang="en-US" sz="1600" dirty="0"/>
           </a:p>
           <a:p>
             <a:pPr lvl="1">
@@ -4777,10 +4346,9 @@
               <a:buChar char="o"/>
             </a:pPr>
             <a:r>
-              <a:rPr lang="en-US" sz="1600" dirty="0" smtClean="0"/>
+              <a:rPr lang="en-US" sz="1600" dirty="0"/>
               <a:t>HTML/CSS in JS</a:t>
             </a:r>
-            <a:endParaRPr lang="en-US" sz="1600" dirty="0"/>
           </a:p>
           <a:p>
             <a:pPr lvl="1">
@@ -4788,18 +4356,17 @@
               <a:buChar char="o"/>
             </a:pPr>
             <a:r>
-              <a:rPr lang="en-US" sz="1600" dirty="0" smtClean="0"/>
+              <a:rPr lang="en-US" sz="1600" dirty="0"/>
               <a:t>Bootstrap (</a:t>
             </a:r>
             <a:r>
-              <a:rPr lang="en-US" sz="1600" dirty="0" err="1" smtClean="0"/>
+              <a:rPr lang="en-US" sz="1600" dirty="0" err="1"/>
               <a:t>reactstrap</a:t>
             </a:r>
             <a:r>
-              <a:rPr lang="en-US" sz="1600" dirty="0" smtClean="0"/>
+              <a:rPr lang="en-US" sz="1600" dirty="0"/>
               <a:t>)</a:t>
             </a:r>
-            <a:endParaRPr lang="en-US" sz="1600" dirty="0"/>
           </a:p>
           <a:p>
             <a:pPr marL="0" indent="0">
@@ -4816,10 +4383,9 @@
               <a:buChar char="o"/>
             </a:pPr>
             <a:r>
-              <a:rPr lang="en-US" sz="1600" dirty="0" smtClean="0"/>
+              <a:rPr lang="en-US" sz="1600" dirty="0"/>
               <a:t>MongoDB (mongoose)</a:t>
             </a:r>
-            <a:endParaRPr lang="en-US" sz="1600" dirty="0"/>
           </a:p>
           <a:p>
             <a:pPr>
@@ -4827,10 +4393,9 @@
               <a:buChar char="o"/>
             </a:pPr>
             <a:r>
-              <a:rPr lang="en-US" sz="1600" dirty="0" smtClean="0"/>
+              <a:rPr lang="en-US" sz="1600" dirty="0"/>
               <a:t>Node/Express.js</a:t>
             </a:r>
-            <a:endParaRPr lang="en-US" sz="1600" dirty="0"/>
           </a:p>
           <a:p>
             <a:pPr>
@@ -4839,13 +4404,8 @@
             </a:pPr>
             <a:r>
               <a:rPr lang="en-US" sz="1600" dirty="0"/>
-              <a:t>JSON Web </a:t>
-            </a:r>
-            <a:r>
-              <a:rPr lang="en-US" sz="1600" dirty="0" smtClean="0"/>
-              <a:t>Tokens</a:t>
-            </a:r>
-            <a:endParaRPr lang="en-US" sz="1600" dirty="0"/>
+              <a:t>JSON Web Tokens</a:t>
+            </a:r>
           </a:p>
         </p:txBody>
       </p:sp>
@@ -4892,17 +4452,15 @@
               <a:rPr lang="en-US" sz="1600" dirty="0"/>
               <a:t> </a:t>
             </a:r>
-            <a:endParaRPr lang="en-US" sz="1600" dirty="0" smtClean="0"/>
           </a:p>
           <a:p>
             <a:pPr marL="0" indent="0">
               <a:buNone/>
             </a:pPr>
             <a:r>
-              <a:rPr lang="en-US" sz="1800" u="sng" dirty="0" smtClean="0"/>
+              <a:rPr lang="en-US" sz="1800" u="sng" dirty="0"/>
               <a:t>Collaboration</a:t>
             </a:r>
-            <a:endParaRPr lang="en-US" sz="1800" u="sng" dirty="0"/>
           </a:p>
           <a:p>
             <a:pPr>
@@ -4945,7 +4503,7 @@
               <a:buNone/>
             </a:pPr>
             <a:r>
-              <a:rPr lang="en-US" sz="1800" u="sng" dirty="0" smtClean="0"/>
+              <a:rPr lang="en-US" sz="1800" u="sng" dirty="0"/>
               <a:t>Miscellaneous</a:t>
             </a:r>
           </a:p>
@@ -4955,10 +4513,9 @@
               <a:buChar char="o"/>
             </a:pPr>
             <a:r>
-              <a:rPr lang="en-US" sz="1600" dirty="0" smtClean="0"/>
+              <a:rPr lang="en-US" sz="1600" dirty="0"/>
               <a:t>Stripe</a:t>
             </a:r>
-            <a:endParaRPr lang="en-US" sz="1600" dirty="0"/>
           </a:p>
           <a:p>
             <a:pPr>
@@ -4975,16 +4532,131 @@
             </a:r>
             <a:r>
               <a:rPr lang="en-US" sz="1600" dirty="0"/>
-              <a:t> </a:t>
-            </a:r>
-            <a:r>
-              <a:rPr lang="en-US" sz="1600" dirty="0" smtClean="0"/>
-              <a:t>packages (23 in total)</a:t>
-            </a:r>
-            <a:endParaRPr lang="en-US" sz="1600" dirty="0"/>
-          </a:p>
-        </p:txBody>
-      </p:sp>
+              <a:t> packages (23 in total)</a:t>
+            </a:r>
+          </a:p>
+        </p:txBody>
+      </p:sp>
+      <p:pic>
+        <p:nvPicPr>
+          <p:cNvPr id="6" name="Picture 5">
+            <a:extLst>
+              <a:ext uri="{FF2B5EF4-FFF2-40B4-BE49-F238E27FC236}">
+                <a16:creationId xmlns:a16="http://schemas.microsoft.com/office/drawing/2014/main" id="{9648F053-D355-423D-AA42-14BEC7D3B39A}"/>
+              </a:ext>
+            </a:extLst>
+          </p:cNvPr>
+          <p:cNvPicPr>
+            <a:picLocks noChangeAspect="1"/>
+          </p:cNvPicPr>
+          <p:nvPr/>
+        </p:nvPicPr>
+        <p:blipFill>
+          <a:blip r:embed="rId2"/>
+          <a:stretch>
+            <a:fillRect/>
+          </a:stretch>
+        </p:blipFill>
+        <p:spPr>
+          <a:xfrm>
+            <a:off x="10331645" y="4873424"/>
+            <a:ext cx="1446413" cy="723207"/>
+          </a:xfrm>
+          <a:prstGeom prst="rect">
+            <a:avLst/>
+          </a:prstGeom>
+        </p:spPr>
+      </p:pic>
+      <p:pic>
+        <p:nvPicPr>
+          <p:cNvPr id="7" name="Picture 6">
+            <a:extLst>
+              <a:ext uri="{FF2B5EF4-FFF2-40B4-BE49-F238E27FC236}">
+                <a16:creationId xmlns:a16="http://schemas.microsoft.com/office/drawing/2014/main" id="{7BC91F1E-7A61-4E5D-A30E-A2AE0A3BF9D2}"/>
+              </a:ext>
+            </a:extLst>
+          </p:cNvPr>
+          <p:cNvPicPr>
+            <a:picLocks noChangeAspect="1"/>
+          </p:cNvPicPr>
+          <p:nvPr/>
+        </p:nvPicPr>
+        <p:blipFill>
+          <a:blip r:embed="rId3"/>
+          <a:stretch>
+            <a:fillRect/>
+          </a:stretch>
+        </p:blipFill>
+        <p:spPr>
+          <a:xfrm>
+            <a:off x="10526213" y="2364295"/>
+            <a:ext cx="1057275" cy="1081088"/>
+          </a:xfrm>
+          <a:prstGeom prst="rect">
+            <a:avLst/>
+          </a:prstGeom>
+        </p:spPr>
+      </p:pic>
+      <p:pic>
+        <p:nvPicPr>
+          <p:cNvPr id="8" name="Picture 7">
+            <a:extLst>
+              <a:ext uri="{FF2B5EF4-FFF2-40B4-BE49-F238E27FC236}">
+                <a16:creationId xmlns:a16="http://schemas.microsoft.com/office/drawing/2014/main" id="{2E22617D-866A-4547-ABE7-663BFF080E7F}"/>
+              </a:ext>
+            </a:extLst>
+          </p:cNvPr>
+          <p:cNvPicPr>
+            <a:picLocks noChangeAspect="1"/>
+          </p:cNvPicPr>
+          <p:nvPr/>
+        </p:nvPicPr>
+        <p:blipFill>
+          <a:blip r:embed="rId4"/>
+          <a:stretch>
+            <a:fillRect/>
+          </a:stretch>
+        </p:blipFill>
+        <p:spPr>
+          <a:xfrm>
+            <a:off x="4659608" y="5207405"/>
+            <a:ext cx="1432875" cy="389226"/>
+          </a:xfrm>
+          <a:prstGeom prst="rect">
+            <a:avLst/>
+          </a:prstGeom>
+        </p:spPr>
+      </p:pic>
+      <p:pic>
+        <p:nvPicPr>
+          <p:cNvPr id="11" name="Picture 10">
+            <a:extLst>
+              <a:ext uri="{FF2B5EF4-FFF2-40B4-BE49-F238E27FC236}">
+                <a16:creationId xmlns:a16="http://schemas.microsoft.com/office/drawing/2014/main" id="{36C61C06-D041-418C-9B9B-9BCB46064E02}"/>
+              </a:ext>
+            </a:extLst>
+          </p:cNvPr>
+          <p:cNvPicPr>
+            <a:picLocks noChangeAspect="1"/>
+          </p:cNvPicPr>
+          <p:nvPr/>
+        </p:nvPicPr>
+        <p:blipFill>
+          <a:blip r:embed="rId5"/>
+          <a:stretch>
+            <a:fillRect/>
+          </a:stretch>
+        </p:blipFill>
+        <p:spPr>
+          <a:xfrm>
+            <a:off x="4805805" y="2277491"/>
+            <a:ext cx="888831" cy="887767"/>
+          </a:xfrm>
+          <a:prstGeom prst="rect">
+            <a:avLst/>
+          </a:prstGeom>
+        </p:spPr>
+      </p:pic>
     </p:spTree>
     <p:extLst>
       <p:ext uri="{BB962C8B-B14F-4D97-AF65-F5344CB8AC3E}">
@@ -5187,38 +4859,18 @@
             </a:r>
             <a:r>
               <a:rPr lang="en-US" dirty="0"/>
-              <a:t> </a:t>
-            </a:r>
-            <a:r>
-              <a:rPr lang="en-US" dirty="0" smtClean="0"/>
-              <a:t>– Entire backend and frontend, primary designer, </a:t>
-            </a:r>
+              <a:t> – Entire backend and frontend, primary designer, secondary documenter, coordinator</a:t>
+            </a:r>
+          </a:p>
+          <a:p>
             <a:r>
               <a:rPr lang="en-US" dirty="0"/>
-              <a:t>secondary documenter, </a:t>
-            </a:r>
-            <a:r>
-              <a:rPr lang="en-US" dirty="0" smtClean="0"/>
-              <a:t>coordinator</a:t>
-            </a:r>
-          </a:p>
-          <a:p>
-            <a:r>
-              <a:rPr lang="en-US" dirty="0" smtClean="0"/>
-              <a:t>Travis </a:t>
-            </a:r>
+              <a:t>Travis Stewart – Primary documenter</a:t>
+            </a:r>
+          </a:p>
+          <a:p>
             <a:r>
               <a:rPr lang="en-US" dirty="0"/>
-              <a:t>Stewart – </a:t>
-            </a:r>
-            <a:r>
-              <a:rPr lang="en-US" dirty="0" smtClean="0"/>
-              <a:t>Primary documenter</a:t>
-            </a:r>
-          </a:p>
-          <a:p>
-            <a:r>
-              <a:rPr lang="en-US" dirty="0" smtClean="0"/>
               <a:t>Josh </a:t>
             </a:r>
             <a:r>
@@ -5227,13 +4879,8 @@
             </a:r>
             <a:r>
               <a:rPr lang="en-US" dirty="0"/>
-              <a:t> – </a:t>
-            </a:r>
-            <a:r>
-              <a:rPr lang="en-US" dirty="0" smtClean="0"/>
-              <a:t>Secondary frontend and designer, POC, coordinator</a:t>
-            </a:r>
-            <a:endParaRPr lang="en-US" dirty="0"/>
+              <a:t> – Secondary frontend and designer, POC, coordinator</a:t>
+            </a:r>
           </a:p>
           <a:p>
             <a:r>
@@ -5242,21 +4889,8 @@
             </a:r>
             <a:r>
               <a:rPr lang="en-US" dirty="0"/>
-              <a:t> </a:t>
-            </a:r>
-            <a:r>
-              <a:rPr lang="en-US" dirty="0" smtClean="0"/>
-              <a:t>Newman </a:t>
-            </a:r>
-            <a:r>
-              <a:rPr lang="en-US" dirty="0"/>
-              <a:t>– </a:t>
-            </a:r>
-            <a:r>
-              <a:rPr lang="en-US" dirty="0" smtClean="0"/>
-              <a:t>Updated the requirements document</a:t>
-            </a:r>
-            <a:endParaRPr lang="en-US" dirty="0"/>
+              <a:t> Newman – Updated the requirements document</a:t>
+            </a:r>
           </a:p>
           <a:p>
             <a:r>
@@ -5265,42 +4899,35 @@
             </a:r>
             <a:r>
               <a:rPr lang="en-US" dirty="0"/>
-              <a:t> D </a:t>
-            </a:r>
-            <a:r>
-              <a:rPr lang="en-US" dirty="0" smtClean="0"/>
-              <a:t>– Made the game selection page (/game/index.js)</a:t>
-            </a:r>
-            <a:endParaRPr lang="en-US" dirty="0"/>
+              <a:t> D – Made the game selection page (/game/index.js)</a:t>
+            </a:r>
           </a:p>
         </p:txBody>
       </p:sp>
       <p:pic>
         <p:nvPicPr>
-          <p:cNvPr id="5" name="Picture 4"/>
+          <p:cNvPr id="4" name="Picture 3">
+            <a:extLst>
+              <a:ext uri="{FF2B5EF4-FFF2-40B4-BE49-F238E27FC236}">
+                <a16:creationId xmlns:a16="http://schemas.microsoft.com/office/drawing/2014/main" id="{642098ED-28DD-4964-94BC-09BE7F82C2D6}"/>
+              </a:ext>
+            </a:extLst>
+          </p:cNvPr>
           <p:cNvPicPr>
             <a:picLocks noChangeAspect="1"/>
           </p:cNvPicPr>
           <p:nvPr/>
         </p:nvPicPr>
         <p:blipFill>
-          <a:blip r:embed="rId2">
-            <a:duotone>
-              <a:prstClr val="black"/>
-              <a:schemeClr val="accent1">
-                <a:tint val="45000"/>
-                <a:satMod val="400000"/>
-              </a:schemeClr>
-            </a:duotone>
-          </a:blip>
+          <a:blip r:embed="rId2"/>
           <a:stretch>
             <a:fillRect/>
           </a:stretch>
         </p:blipFill>
         <p:spPr>
           <a:xfrm>
-            <a:off x="8054479" y="2015732"/>
-            <a:ext cx="3000375" cy="3676650"/>
+            <a:off x="7991492" y="2186413"/>
+            <a:ext cx="3737309" cy="2918247"/>
           </a:xfrm>
           <a:prstGeom prst="rect">
             <a:avLst/>
@@ -5355,792 +4982,41 @@
             <a:pPr algn="ctr"/>
             <a:r>
               <a:rPr lang="en-US" dirty="0"/>
-              <a:t>Roles and Contributions Cont.</a:t>
-            </a:r>
-          </a:p>
-        </p:txBody>
-      </p:sp>
-      <p:pic>
-        <p:nvPicPr>
-          <p:cNvPr id="8" name="Picture 7">
-            <a:extLst>
-              <a:ext uri="{FF2B5EF4-FFF2-40B4-BE49-F238E27FC236}">
-                <a16:creationId xmlns:a16="http://schemas.microsoft.com/office/drawing/2014/main" id="{69B418A5-9140-4BB6-B394-26F28438ECFF}"/>
-              </a:ext>
-            </a:extLst>
-          </p:cNvPr>
-          <p:cNvPicPr>
-            <a:picLocks noChangeAspect="1"/>
-          </p:cNvPicPr>
-          <p:nvPr/>
-        </p:nvPicPr>
-        <p:blipFill>
-          <a:blip r:embed="rId2">
-            <a:duotone>
-              <a:prstClr val="black"/>
-              <a:schemeClr val="accent1">
-                <a:tint val="45000"/>
-                <a:satMod val="400000"/>
-              </a:schemeClr>
-            </a:duotone>
-          </a:blip>
-          <a:stretch>
-            <a:fillRect/>
-          </a:stretch>
-        </p:blipFill>
-        <p:spPr>
-          <a:xfrm>
-            <a:off x="606195" y="2296060"/>
-            <a:ext cx="4196623" cy="3282507"/>
-          </a:xfrm>
-          <a:prstGeom prst="rect">
-            <a:avLst/>
-          </a:prstGeom>
-        </p:spPr>
-      </p:pic>
-      <p:graphicFrame>
-        <p:nvGraphicFramePr>
-          <p:cNvPr id="10" name="Table 9">
-            <a:extLst>
-              <a:ext uri="{FF2B5EF4-FFF2-40B4-BE49-F238E27FC236}">
-                <a16:creationId xmlns:a16="http://schemas.microsoft.com/office/drawing/2014/main" id="{4BC34928-FB8B-461E-BC32-EC93EBC880C7}"/>
-              </a:ext>
-            </a:extLst>
-          </p:cNvPr>
-          <p:cNvGraphicFramePr>
-            <a:graphicFrameLocks noGrp="1"/>
-          </p:cNvGraphicFramePr>
-          <p:nvPr>
-            <p:extLst>
-              <p:ext uri="{D42A27DB-BD31-4B8C-83A1-F6EECF244321}">
-                <p14:modId xmlns:p14="http://schemas.microsoft.com/office/powerpoint/2010/main" val="4170541432"/>
-              </p:ext>
-            </p:extLst>
-          </p:nvPr>
-        </p:nvGraphicFramePr>
-        <p:xfrm>
-          <a:off x="6358831" y="2296060"/>
-          <a:ext cx="4587336" cy="3282504"/>
-        </p:xfrm>
-        <a:graphic>
-          <a:graphicData uri="http://schemas.openxmlformats.org/drawingml/2006/table">
-            <a:tbl>
-              <a:tblPr>
-                <a:tableStyleId>{3C2FFA5D-87B4-456A-9821-1D502468CF0F}</a:tableStyleId>
-              </a:tblPr>
-              <a:tblGrid>
-                <a:gridCol w="2521139">
-                  <a:extLst>
-                    <a:ext uri="{9D8B030D-6E8A-4147-A177-3AD203B41FA5}">
-                      <a16:colId xmlns:a16="http://schemas.microsoft.com/office/drawing/2014/main" val="2291156416"/>
-                    </a:ext>
-                  </a:extLst>
-                </a:gridCol>
-                <a:gridCol w="2066197">
-                  <a:extLst>
-                    <a:ext uri="{9D8B030D-6E8A-4147-A177-3AD203B41FA5}">
-                      <a16:colId xmlns:a16="http://schemas.microsoft.com/office/drawing/2014/main" val="4162386721"/>
-                    </a:ext>
-                  </a:extLst>
-                </a:gridCol>
-              </a:tblGrid>
-              <a:tr h="261346">
-                <a:tc>
-                  <a:txBody>
-                    <a:bodyPr/>
-                    <a:lstStyle/>
-                    <a:p>
-                      <a:pPr algn="ctr" fontAlgn="b"/>
-                      <a:r>
-                        <a:rPr lang="en-US" sz="1100" u="none" strike="noStrike" dirty="0">
-                          <a:effectLst/>
-                        </a:rPr>
-                        <a:t>General Work</a:t>
-                      </a:r>
-                      <a:endParaRPr lang="en-US" sz="1100" b="1" i="0" u="none" strike="noStrike" dirty="0">
-                        <a:solidFill>
-                          <a:srgbClr val="FFFFFF"/>
-                        </a:solidFill>
-                        <a:effectLst/>
-                        <a:latin typeface="Calibri" panose="020F0502020204030204" pitchFamily="34" charset="0"/>
-                      </a:endParaRPr>
-                    </a:p>
-                  </a:txBody>
-                  <a:tcPr marL="7620" marR="7620" marT="7620" marB="0" anchor="b"/>
-                </a:tc>
-                <a:tc>
-                  <a:txBody>
-                    <a:bodyPr/>
-                    <a:lstStyle/>
-                    <a:p>
-                      <a:pPr algn="ctr" fontAlgn="b"/>
-                      <a:r>
-                        <a:rPr lang="en-US" sz="1100" u="none" strike="noStrike">
-                          <a:effectLst/>
-                        </a:rPr>
-                        <a:t>Completed by</a:t>
-                      </a:r>
-                      <a:endParaRPr lang="en-US" sz="1100" b="1" i="0" u="none" strike="noStrike">
-                        <a:solidFill>
-                          <a:srgbClr val="FFFFFF"/>
-                        </a:solidFill>
-                        <a:effectLst/>
-                        <a:latin typeface="Calibri" panose="020F0502020204030204" pitchFamily="34" charset="0"/>
-                      </a:endParaRPr>
-                    </a:p>
-                  </a:txBody>
-                  <a:tcPr marL="7620" marR="7620" marT="7620" marB="0" anchor="b"/>
-                </a:tc>
-                <a:extLst>
-                  <a:ext uri="{0D108BD9-81ED-4DB2-BD59-A6C34878D82A}">
-                    <a16:rowId xmlns:a16="http://schemas.microsoft.com/office/drawing/2014/main" val="2285328851"/>
-                  </a:ext>
-                </a:extLst>
-              </a:tr>
-              <a:tr h="250892">
-                <a:tc>
-                  <a:txBody>
-                    <a:bodyPr/>
-                    <a:lstStyle/>
-                    <a:p>
-                      <a:pPr algn="l" fontAlgn="b"/>
-                      <a:r>
-                        <a:rPr lang="en-US" sz="1100" u="none" strike="noStrike">
-                          <a:effectLst/>
-                        </a:rPr>
-                        <a:t>Overall design/layout</a:t>
-                      </a:r>
-                      <a:endParaRPr lang="en-US" sz="1100" b="0" i="0" u="none" strike="noStrike">
-                        <a:solidFill>
-                          <a:srgbClr val="000000"/>
-                        </a:solidFill>
-                        <a:effectLst/>
-                        <a:latin typeface="Calibri" panose="020F0502020204030204" pitchFamily="34" charset="0"/>
-                      </a:endParaRPr>
-                    </a:p>
-                  </a:txBody>
-                  <a:tcPr marL="7620" marR="7620" marT="7620" marB="0" anchor="b"/>
-                </a:tc>
-                <a:tc>
-                  <a:txBody>
-                    <a:bodyPr/>
-                    <a:lstStyle/>
-                    <a:p>
-                      <a:pPr algn="l" fontAlgn="b"/>
-                      <a:r>
-                        <a:rPr lang="en-US" sz="1100" u="none" strike="noStrike">
-                          <a:effectLst/>
-                        </a:rPr>
-                        <a:t>Christian, Josh, Travis</a:t>
-                      </a:r>
-                      <a:endParaRPr lang="en-US" sz="1100" b="0" i="0" u="none" strike="noStrike">
-                        <a:solidFill>
-                          <a:srgbClr val="000000"/>
-                        </a:solidFill>
-                        <a:effectLst/>
-                        <a:latin typeface="Calibri" panose="020F0502020204030204" pitchFamily="34" charset="0"/>
-                      </a:endParaRPr>
-                    </a:p>
-                  </a:txBody>
-                  <a:tcPr marL="7620" marR="7620" marT="7620" marB="0" anchor="b"/>
-                </a:tc>
-                <a:extLst>
-                  <a:ext uri="{0D108BD9-81ED-4DB2-BD59-A6C34878D82A}">
-                    <a16:rowId xmlns:a16="http://schemas.microsoft.com/office/drawing/2014/main" val="3746186827"/>
-                  </a:ext>
-                </a:extLst>
-              </a:tr>
-              <a:tr h="250892">
-                <a:tc>
-                  <a:txBody>
-                    <a:bodyPr/>
-                    <a:lstStyle/>
-                    <a:p>
-                      <a:pPr algn="l" fontAlgn="b"/>
-                      <a:r>
-                        <a:rPr lang="en-US" sz="1100" u="none" strike="noStrike" dirty="0">
-                          <a:effectLst/>
-                        </a:rPr>
-                        <a:t>Website and game flow</a:t>
-                      </a:r>
-                      <a:endParaRPr lang="en-US" sz="1100" b="0" i="0" u="none" strike="noStrike" dirty="0">
-                        <a:solidFill>
-                          <a:srgbClr val="000000"/>
-                        </a:solidFill>
-                        <a:effectLst/>
-                        <a:latin typeface="Calibri" panose="020F0502020204030204" pitchFamily="34" charset="0"/>
-                      </a:endParaRPr>
-                    </a:p>
-                  </a:txBody>
-                  <a:tcPr marL="7620" marR="7620" marT="7620" marB="0" anchor="b"/>
-                </a:tc>
-                <a:tc>
-                  <a:txBody>
-                    <a:bodyPr/>
-                    <a:lstStyle/>
-                    <a:p>
-                      <a:pPr algn="l" fontAlgn="b"/>
-                      <a:r>
-                        <a:rPr lang="en-US" sz="1100" u="none" strike="noStrike">
-                          <a:effectLst/>
-                        </a:rPr>
-                        <a:t>Josh, Christian, Travis</a:t>
-                      </a:r>
-                      <a:endParaRPr lang="en-US" sz="1100" b="0" i="0" u="none" strike="noStrike">
-                        <a:solidFill>
-                          <a:srgbClr val="000000"/>
-                        </a:solidFill>
-                        <a:effectLst/>
-                        <a:latin typeface="Calibri" panose="020F0502020204030204" pitchFamily="34" charset="0"/>
-                      </a:endParaRPr>
-                    </a:p>
-                  </a:txBody>
-                  <a:tcPr marL="7620" marR="7620" marT="7620" marB="0" anchor="b"/>
-                </a:tc>
-                <a:extLst>
-                  <a:ext uri="{0D108BD9-81ED-4DB2-BD59-A6C34878D82A}">
-                    <a16:rowId xmlns:a16="http://schemas.microsoft.com/office/drawing/2014/main" val="2562902626"/>
-                  </a:ext>
-                </a:extLst>
-              </a:tr>
-              <a:tr h="250892">
-                <a:tc>
-                  <a:txBody>
-                    <a:bodyPr/>
-                    <a:lstStyle/>
-                    <a:p>
-                      <a:pPr algn="l" fontAlgn="b"/>
-                      <a:r>
-                        <a:rPr lang="en-US" sz="1100" u="none" strike="noStrike" dirty="0">
-                          <a:effectLst/>
-                        </a:rPr>
-                        <a:t>Logo</a:t>
-                      </a:r>
-                      <a:endParaRPr lang="en-US" sz="1100" b="0" i="0" u="none" strike="noStrike" dirty="0">
-                        <a:solidFill>
-                          <a:srgbClr val="000000"/>
-                        </a:solidFill>
-                        <a:effectLst/>
-                        <a:latin typeface="Calibri" panose="020F0502020204030204" pitchFamily="34" charset="0"/>
-                      </a:endParaRPr>
-                    </a:p>
-                  </a:txBody>
-                  <a:tcPr marL="7620" marR="7620" marT="7620" marB="0" anchor="b"/>
-                </a:tc>
-                <a:tc>
-                  <a:txBody>
-                    <a:bodyPr/>
-                    <a:lstStyle/>
-                    <a:p>
-                      <a:pPr algn="l" fontAlgn="b"/>
-                      <a:r>
-                        <a:rPr lang="en-US" sz="1100" u="none" strike="noStrike">
-                          <a:effectLst/>
-                        </a:rPr>
-                        <a:t>Christian</a:t>
-                      </a:r>
-                      <a:endParaRPr lang="en-US" sz="1100" b="0" i="0" u="none" strike="noStrike">
-                        <a:solidFill>
-                          <a:srgbClr val="000000"/>
-                        </a:solidFill>
-                        <a:effectLst/>
-                        <a:latin typeface="Calibri" panose="020F0502020204030204" pitchFamily="34" charset="0"/>
-                      </a:endParaRPr>
-                    </a:p>
-                  </a:txBody>
-                  <a:tcPr marL="7620" marR="7620" marT="7620" marB="0" anchor="b"/>
-                </a:tc>
-                <a:extLst>
-                  <a:ext uri="{0D108BD9-81ED-4DB2-BD59-A6C34878D82A}">
-                    <a16:rowId xmlns:a16="http://schemas.microsoft.com/office/drawing/2014/main" val="2991751646"/>
-                  </a:ext>
-                </a:extLst>
-              </a:tr>
-              <a:tr h="250892">
-                <a:tc>
-                  <a:txBody>
-                    <a:bodyPr/>
-                    <a:lstStyle/>
-                    <a:p>
-                      <a:pPr algn="l" fontAlgn="b"/>
-                      <a:r>
-                        <a:rPr lang="en-US" sz="1100" u="none" strike="noStrike">
-                          <a:effectLst/>
-                        </a:rPr>
-                        <a:t>Front end skeleton</a:t>
-                      </a:r>
-                      <a:endParaRPr lang="en-US" sz="1100" b="0" i="0" u="none" strike="noStrike">
-                        <a:solidFill>
-                          <a:srgbClr val="000000"/>
-                        </a:solidFill>
-                        <a:effectLst/>
-                        <a:latin typeface="Calibri" panose="020F0502020204030204" pitchFamily="34" charset="0"/>
-                      </a:endParaRPr>
-                    </a:p>
-                  </a:txBody>
-                  <a:tcPr marL="7620" marR="7620" marT="7620" marB="0" anchor="b"/>
-                </a:tc>
-                <a:tc>
-                  <a:txBody>
-                    <a:bodyPr/>
-                    <a:lstStyle/>
-                    <a:p>
-                      <a:pPr algn="l" fontAlgn="b"/>
-                      <a:r>
-                        <a:rPr lang="en-US" sz="1100" u="none" strike="noStrike">
-                          <a:effectLst/>
-                        </a:rPr>
-                        <a:t>Josh</a:t>
-                      </a:r>
-                      <a:endParaRPr lang="en-US" sz="1100" b="0" i="0" u="none" strike="noStrike">
-                        <a:solidFill>
-                          <a:srgbClr val="000000"/>
-                        </a:solidFill>
-                        <a:effectLst/>
-                        <a:latin typeface="Calibri" panose="020F0502020204030204" pitchFamily="34" charset="0"/>
-                      </a:endParaRPr>
-                    </a:p>
-                  </a:txBody>
-                  <a:tcPr marL="7620" marR="7620" marT="7620" marB="0" anchor="b"/>
-                </a:tc>
-                <a:extLst>
-                  <a:ext uri="{0D108BD9-81ED-4DB2-BD59-A6C34878D82A}">
-                    <a16:rowId xmlns:a16="http://schemas.microsoft.com/office/drawing/2014/main" val="2023299474"/>
-                  </a:ext>
-                </a:extLst>
-              </a:tr>
-              <a:tr h="250892">
-                <a:tc>
-                  <a:txBody>
-                    <a:bodyPr/>
-                    <a:lstStyle/>
-                    <a:p>
-                      <a:pPr algn="l" fontAlgn="b"/>
-                      <a:r>
-                        <a:rPr lang="en-US" sz="1100" u="none" strike="noStrike">
-                          <a:effectLst/>
-                        </a:rPr>
-                        <a:t>Game Menu</a:t>
-                      </a:r>
-                      <a:endParaRPr lang="en-US" sz="1100" b="0" i="0" u="none" strike="noStrike">
-                        <a:solidFill>
-                          <a:srgbClr val="000000"/>
-                        </a:solidFill>
-                        <a:effectLst/>
-                        <a:latin typeface="Calibri" panose="020F0502020204030204" pitchFamily="34" charset="0"/>
-                      </a:endParaRPr>
-                    </a:p>
-                  </a:txBody>
-                  <a:tcPr marL="7620" marR="7620" marT="7620" marB="0" anchor="b"/>
-                </a:tc>
-                <a:tc>
-                  <a:txBody>
-                    <a:bodyPr/>
-                    <a:lstStyle/>
-                    <a:p>
-                      <a:pPr algn="l" fontAlgn="b"/>
-                      <a:r>
-                        <a:rPr lang="en-US" sz="1100" u="none" strike="noStrike" dirty="0">
-                          <a:effectLst/>
-                        </a:rPr>
-                        <a:t> </a:t>
-                      </a:r>
-                      <a:endParaRPr lang="en-US" sz="1100" b="0" i="0" u="none" strike="noStrike" dirty="0">
-                        <a:solidFill>
-                          <a:srgbClr val="000000"/>
-                        </a:solidFill>
-                        <a:effectLst/>
-                        <a:latin typeface="Calibri" panose="020F0502020204030204" pitchFamily="34" charset="0"/>
-                      </a:endParaRPr>
-                    </a:p>
-                  </a:txBody>
-                  <a:tcPr marL="7620" marR="7620" marT="7620" marB="0" anchor="b"/>
-                </a:tc>
-                <a:extLst>
-                  <a:ext uri="{0D108BD9-81ED-4DB2-BD59-A6C34878D82A}">
-                    <a16:rowId xmlns:a16="http://schemas.microsoft.com/office/drawing/2014/main" val="3377967726"/>
-                  </a:ext>
-                </a:extLst>
-              </a:tr>
-              <a:tr h="250892">
-                <a:tc>
-                  <a:txBody>
-                    <a:bodyPr/>
-                    <a:lstStyle/>
-                    <a:p>
-                      <a:pPr algn="l" fontAlgn="b"/>
-                      <a:r>
-                        <a:rPr lang="en-US" sz="1100" u="none" strike="noStrike">
-                          <a:effectLst/>
-                        </a:rPr>
-                        <a:t>Single Player Game</a:t>
-                      </a:r>
-                      <a:endParaRPr lang="en-US" sz="1100" b="0" i="0" u="none" strike="noStrike">
-                        <a:solidFill>
-                          <a:srgbClr val="000000"/>
-                        </a:solidFill>
-                        <a:effectLst/>
-                        <a:latin typeface="Calibri" panose="020F0502020204030204" pitchFamily="34" charset="0"/>
-                      </a:endParaRPr>
-                    </a:p>
-                  </a:txBody>
-                  <a:tcPr marL="7620" marR="7620" marT="7620" marB="0" anchor="b"/>
-                </a:tc>
-                <a:tc>
-                  <a:txBody>
-                    <a:bodyPr/>
-                    <a:lstStyle/>
-                    <a:p>
-                      <a:pPr algn="l" fontAlgn="b"/>
-                      <a:r>
-                        <a:rPr lang="en-US" sz="1100" u="none" strike="noStrike">
-                          <a:effectLst/>
-                        </a:rPr>
-                        <a:t> </a:t>
-                      </a:r>
-                      <a:endParaRPr lang="en-US" sz="1100" b="0" i="0" u="none" strike="noStrike">
-                        <a:solidFill>
-                          <a:srgbClr val="000000"/>
-                        </a:solidFill>
-                        <a:effectLst/>
-                        <a:latin typeface="Calibri" panose="020F0502020204030204" pitchFamily="34" charset="0"/>
-                      </a:endParaRPr>
-                    </a:p>
-                  </a:txBody>
-                  <a:tcPr marL="7620" marR="7620" marT="7620" marB="0" anchor="b"/>
-                </a:tc>
-                <a:extLst>
-                  <a:ext uri="{0D108BD9-81ED-4DB2-BD59-A6C34878D82A}">
-                    <a16:rowId xmlns:a16="http://schemas.microsoft.com/office/drawing/2014/main" val="929755311"/>
-                  </a:ext>
-                </a:extLst>
-              </a:tr>
-              <a:tr h="250892">
-                <a:tc>
-                  <a:txBody>
-                    <a:bodyPr/>
-                    <a:lstStyle/>
-                    <a:p>
-                      <a:pPr algn="l" fontAlgn="b"/>
-                      <a:r>
-                        <a:rPr lang="en-US" sz="1100" u="none" strike="noStrike">
-                          <a:effectLst/>
-                        </a:rPr>
-                        <a:t>Multiplayer Game</a:t>
-                      </a:r>
-                      <a:endParaRPr lang="en-US" sz="1100" b="0" i="0" u="none" strike="noStrike">
-                        <a:solidFill>
-                          <a:srgbClr val="000000"/>
-                        </a:solidFill>
-                        <a:effectLst/>
-                        <a:latin typeface="Calibri" panose="020F0502020204030204" pitchFamily="34" charset="0"/>
-                      </a:endParaRPr>
-                    </a:p>
-                  </a:txBody>
-                  <a:tcPr marL="7620" marR="7620" marT="7620" marB="0" anchor="b"/>
-                </a:tc>
-                <a:tc>
-                  <a:txBody>
-                    <a:bodyPr/>
-                    <a:lstStyle/>
-                    <a:p>
-                      <a:pPr algn="l" fontAlgn="b"/>
-                      <a:r>
-                        <a:rPr lang="en-US" sz="1100" u="none" strike="noStrike">
-                          <a:effectLst/>
-                        </a:rPr>
-                        <a:t> </a:t>
-                      </a:r>
-                      <a:endParaRPr lang="en-US" sz="1100" b="0" i="0" u="none" strike="noStrike">
-                        <a:solidFill>
-                          <a:srgbClr val="000000"/>
-                        </a:solidFill>
-                        <a:effectLst/>
-                        <a:latin typeface="Calibri" panose="020F0502020204030204" pitchFamily="34" charset="0"/>
-                      </a:endParaRPr>
-                    </a:p>
-                  </a:txBody>
-                  <a:tcPr marL="7620" marR="7620" marT="7620" marB="0" anchor="b"/>
-                </a:tc>
-                <a:extLst>
-                  <a:ext uri="{0D108BD9-81ED-4DB2-BD59-A6C34878D82A}">
-                    <a16:rowId xmlns:a16="http://schemas.microsoft.com/office/drawing/2014/main" val="2103699306"/>
-                  </a:ext>
-                </a:extLst>
-              </a:tr>
-              <a:tr h="250892">
-                <a:tc>
-                  <a:txBody>
-                    <a:bodyPr/>
-                    <a:lstStyle/>
-                    <a:p>
-                      <a:pPr algn="l" fontAlgn="b"/>
-                      <a:r>
-                        <a:rPr lang="en-US" sz="1100" u="none" strike="noStrike">
-                          <a:effectLst/>
-                        </a:rPr>
-                        <a:t> </a:t>
-                      </a:r>
-                      <a:endParaRPr lang="en-US" sz="1100" b="0" i="0" u="none" strike="noStrike">
-                        <a:solidFill>
-                          <a:srgbClr val="000000"/>
-                        </a:solidFill>
-                        <a:effectLst/>
-                        <a:latin typeface="Calibri" panose="020F0502020204030204" pitchFamily="34" charset="0"/>
-                      </a:endParaRPr>
-                    </a:p>
-                  </a:txBody>
-                  <a:tcPr marL="7620" marR="7620" marT="7620" marB="0" anchor="b"/>
-                </a:tc>
-                <a:tc>
-                  <a:txBody>
-                    <a:bodyPr/>
-                    <a:lstStyle/>
-                    <a:p>
-                      <a:pPr algn="l" fontAlgn="b"/>
-                      <a:r>
-                        <a:rPr lang="en-US" sz="1100" u="none" strike="noStrike">
-                          <a:effectLst/>
-                        </a:rPr>
-                        <a:t> </a:t>
-                      </a:r>
-                      <a:endParaRPr lang="en-US" sz="1100" b="0" i="0" u="none" strike="noStrike">
-                        <a:solidFill>
-                          <a:srgbClr val="000000"/>
-                        </a:solidFill>
-                        <a:effectLst/>
-                        <a:latin typeface="Calibri" panose="020F0502020204030204" pitchFamily="34" charset="0"/>
-                      </a:endParaRPr>
-                    </a:p>
-                  </a:txBody>
-                  <a:tcPr marL="7620" marR="7620" marT="7620" marB="0" anchor="b"/>
-                </a:tc>
-                <a:extLst>
-                  <a:ext uri="{0D108BD9-81ED-4DB2-BD59-A6C34878D82A}">
-                    <a16:rowId xmlns:a16="http://schemas.microsoft.com/office/drawing/2014/main" val="3096729798"/>
-                  </a:ext>
-                </a:extLst>
-              </a:tr>
-              <a:tr h="250892">
-                <a:tc>
-                  <a:txBody>
-                    <a:bodyPr/>
-                    <a:lstStyle/>
-                    <a:p>
-                      <a:pPr algn="l" fontAlgn="b"/>
-                      <a:r>
-                        <a:rPr lang="en-US" sz="1100" u="none" strike="noStrike">
-                          <a:effectLst/>
-                        </a:rPr>
-                        <a:t>Leaderboard page</a:t>
-                      </a:r>
-                      <a:endParaRPr lang="en-US" sz="1100" b="0" i="0" u="none" strike="noStrike">
-                        <a:solidFill>
-                          <a:srgbClr val="000000"/>
-                        </a:solidFill>
-                        <a:effectLst/>
-                        <a:latin typeface="Calibri" panose="020F0502020204030204" pitchFamily="34" charset="0"/>
-                      </a:endParaRPr>
-                    </a:p>
-                  </a:txBody>
-                  <a:tcPr marL="7620" marR="7620" marT="7620" marB="0" anchor="b"/>
-                </a:tc>
-                <a:tc>
-                  <a:txBody>
-                    <a:bodyPr/>
-                    <a:lstStyle/>
-                    <a:p>
-                      <a:pPr algn="l" fontAlgn="b"/>
-                      <a:r>
-                        <a:rPr lang="en-US" sz="1100" u="none" strike="noStrike" dirty="0">
-                          <a:effectLst/>
-                        </a:rPr>
-                        <a:t> </a:t>
-                      </a:r>
-                      <a:endParaRPr lang="en-US" sz="1100" b="0" i="0" u="none" strike="noStrike" dirty="0">
-                        <a:solidFill>
-                          <a:srgbClr val="000000"/>
-                        </a:solidFill>
-                        <a:effectLst/>
-                        <a:latin typeface="Calibri" panose="020F0502020204030204" pitchFamily="34" charset="0"/>
-                      </a:endParaRPr>
-                    </a:p>
-                  </a:txBody>
-                  <a:tcPr marL="7620" marR="7620" marT="7620" marB="0" anchor="b"/>
-                </a:tc>
-                <a:extLst>
-                  <a:ext uri="{0D108BD9-81ED-4DB2-BD59-A6C34878D82A}">
-                    <a16:rowId xmlns:a16="http://schemas.microsoft.com/office/drawing/2014/main" val="2923812682"/>
-                  </a:ext>
-                </a:extLst>
-              </a:tr>
-              <a:tr h="250892">
-                <a:tc>
-                  <a:txBody>
-                    <a:bodyPr/>
-                    <a:lstStyle/>
-                    <a:p>
-                      <a:pPr algn="l" fontAlgn="b"/>
-                      <a:r>
-                        <a:rPr lang="en-US" sz="1100" u="none" strike="noStrike">
-                          <a:effectLst/>
-                        </a:rPr>
-                        <a:t>Donate Page</a:t>
-                      </a:r>
-                      <a:endParaRPr lang="en-US" sz="1100" b="0" i="0" u="none" strike="noStrike">
-                        <a:solidFill>
-                          <a:srgbClr val="000000"/>
-                        </a:solidFill>
-                        <a:effectLst/>
-                        <a:latin typeface="Calibri" panose="020F0502020204030204" pitchFamily="34" charset="0"/>
-                      </a:endParaRPr>
-                    </a:p>
-                  </a:txBody>
-                  <a:tcPr marL="7620" marR="7620" marT="7620" marB="0" anchor="b"/>
-                </a:tc>
-                <a:tc>
-                  <a:txBody>
-                    <a:bodyPr/>
-                    <a:lstStyle/>
-                    <a:p>
-                      <a:pPr algn="l" fontAlgn="b"/>
-                      <a:r>
-                        <a:rPr lang="en-US" sz="1100" u="none" strike="noStrike" dirty="0">
-                          <a:effectLst/>
-                        </a:rPr>
-                        <a:t> </a:t>
-                      </a:r>
-                      <a:endParaRPr lang="en-US" sz="1100" b="0" i="0" u="none" strike="noStrike" dirty="0">
-                        <a:solidFill>
-                          <a:srgbClr val="000000"/>
-                        </a:solidFill>
-                        <a:effectLst/>
-                        <a:latin typeface="Calibri" panose="020F0502020204030204" pitchFamily="34" charset="0"/>
-                      </a:endParaRPr>
-                    </a:p>
-                  </a:txBody>
-                  <a:tcPr marL="7620" marR="7620" marT="7620" marB="0" anchor="b"/>
-                </a:tc>
-                <a:extLst>
-                  <a:ext uri="{0D108BD9-81ED-4DB2-BD59-A6C34878D82A}">
-                    <a16:rowId xmlns:a16="http://schemas.microsoft.com/office/drawing/2014/main" val="1564191052"/>
-                  </a:ext>
-                </a:extLst>
-              </a:tr>
-              <a:tr h="250892">
-                <a:tc>
-                  <a:txBody>
-                    <a:bodyPr/>
-                    <a:lstStyle/>
-                    <a:p>
-                      <a:pPr algn="l" fontAlgn="b"/>
-                      <a:r>
-                        <a:rPr lang="en-US" sz="1100" u="none" strike="noStrike">
-                          <a:effectLst/>
-                        </a:rPr>
-                        <a:t>Back end skeleton</a:t>
-                      </a:r>
-                      <a:endParaRPr lang="en-US" sz="1100" b="0" i="0" u="none" strike="noStrike">
-                        <a:solidFill>
-                          <a:srgbClr val="000000"/>
-                        </a:solidFill>
-                        <a:effectLst/>
-                        <a:latin typeface="Calibri" panose="020F0502020204030204" pitchFamily="34" charset="0"/>
-                      </a:endParaRPr>
-                    </a:p>
-                  </a:txBody>
-                  <a:tcPr marL="7620" marR="7620" marT="7620" marB="0" anchor="b"/>
-                </a:tc>
-                <a:tc>
-                  <a:txBody>
-                    <a:bodyPr/>
-                    <a:lstStyle/>
-                    <a:p>
-                      <a:pPr algn="l" fontAlgn="b"/>
-                      <a:r>
-                        <a:rPr lang="en-US" sz="1100" u="none" strike="noStrike">
-                          <a:effectLst/>
-                        </a:rPr>
-                        <a:t>Christian</a:t>
-                      </a:r>
-                      <a:endParaRPr lang="en-US" sz="1100" b="0" i="0" u="none" strike="noStrike">
-                        <a:solidFill>
-                          <a:srgbClr val="000000"/>
-                        </a:solidFill>
-                        <a:effectLst/>
-                        <a:latin typeface="Calibri" panose="020F0502020204030204" pitchFamily="34" charset="0"/>
-                      </a:endParaRPr>
-                    </a:p>
-                  </a:txBody>
-                  <a:tcPr marL="7620" marR="7620" marT="7620" marB="0" anchor="b"/>
-                </a:tc>
-                <a:extLst>
-                  <a:ext uri="{0D108BD9-81ED-4DB2-BD59-A6C34878D82A}">
-                    <a16:rowId xmlns:a16="http://schemas.microsoft.com/office/drawing/2014/main" val="3737644233"/>
-                  </a:ext>
-                </a:extLst>
-              </a:tr>
-              <a:tr h="261346">
-                <a:tc>
-                  <a:txBody>
-                    <a:bodyPr/>
-                    <a:lstStyle/>
-                    <a:p>
-                      <a:pPr algn="l" fontAlgn="b"/>
-                      <a:r>
-                        <a:rPr lang="en-US" sz="1100" u="none" strike="noStrike">
-                          <a:effectLst/>
-                        </a:rPr>
-                        <a:t>This document</a:t>
-                      </a:r>
-                      <a:endParaRPr lang="en-US" sz="1100" b="0" i="0" u="none" strike="noStrike">
-                        <a:solidFill>
-                          <a:srgbClr val="000000"/>
-                        </a:solidFill>
-                        <a:effectLst/>
-                        <a:latin typeface="Calibri" panose="020F0502020204030204" pitchFamily="34" charset="0"/>
-                      </a:endParaRPr>
-                    </a:p>
-                  </a:txBody>
-                  <a:tcPr marL="7620" marR="7620" marT="7620" marB="0" anchor="b"/>
-                </a:tc>
-                <a:tc>
-                  <a:txBody>
-                    <a:bodyPr/>
-                    <a:lstStyle/>
-                    <a:p>
-                      <a:pPr algn="l" fontAlgn="b"/>
-                      <a:r>
-                        <a:rPr lang="en-US" sz="1100" u="none" strike="noStrike" dirty="0">
-                          <a:effectLst/>
-                        </a:rPr>
-                        <a:t>Christian</a:t>
-                      </a:r>
-                      <a:endParaRPr lang="en-US" sz="1100" b="0" i="0" u="none" strike="noStrike" dirty="0">
-                        <a:solidFill>
-                          <a:srgbClr val="000000"/>
-                        </a:solidFill>
-                        <a:effectLst/>
-                        <a:latin typeface="Calibri" panose="020F0502020204030204" pitchFamily="34" charset="0"/>
-                      </a:endParaRPr>
-                    </a:p>
-                  </a:txBody>
-                  <a:tcPr marL="7620" marR="7620" marT="7620" marB="0" anchor="b"/>
-                </a:tc>
-                <a:extLst>
-                  <a:ext uri="{0D108BD9-81ED-4DB2-BD59-A6C34878D82A}">
-                    <a16:rowId xmlns:a16="http://schemas.microsoft.com/office/drawing/2014/main" val="103980512"/>
-                  </a:ext>
-                </a:extLst>
-              </a:tr>
-            </a:tbl>
-          </a:graphicData>
-        </a:graphic>
-      </p:graphicFrame>
+              <a:t>Live Presentation</a:t>
+            </a:r>
+          </a:p>
+        </p:txBody>
+      </p:sp>
+      <p:sp>
+        <p:nvSpPr>
+          <p:cNvPr id="3" name="Text Placeholder 2"/>
+          <p:cNvSpPr>
+            <a:spLocks noGrp="1"/>
+          </p:cNvSpPr>
+          <p:nvPr>
+            <p:ph type="body" idx="1"/>
+          </p:nvPr>
+        </p:nvSpPr>
+        <p:spPr/>
+        <p:txBody>
+          <a:bodyPr/>
+          <a:lstStyle/>
+          <a:p>
+            <a:pPr algn="ctr"/>
+            <a:r>
+              <a:rPr lang="en-US" dirty="0">
+                <a:hlinkClick r:id="rId2"/>
+              </a:rPr>
+              <a:t>https://fit-or-fail.herokuapp.com/</a:t>
+            </a:r>
+            <a:endParaRPr lang="en-US" dirty="0"/>
+          </a:p>
+        </p:txBody>
+      </p:sp>
     </p:spTree>
     <p:extLst>
       <p:ext uri="{BB962C8B-B14F-4D97-AF65-F5344CB8AC3E}">
-        <p14:creationId xmlns:p14="http://schemas.microsoft.com/office/powerpoint/2010/main" val="3205157529"/>
+        <p14:creationId xmlns:p14="http://schemas.microsoft.com/office/powerpoint/2010/main" val="1074890419"/>
       </p:ext>
     </p:extLst>
   </p:cSld>
@@ -6184,43 +5060,237 @@
           <a:p>
             <a:pPr algn="ctr"/>
             <a:r>
-              <a:rPr lang="en-US" dirty="0" smtClean="0"/>
-              <a:t>Live Presentation</a:t>
-            </a:r>
+              <a:rPr lang="en-US" dirty="0"/>
+              <a:t>Next Steps</a:t>
+            </a:r>
+          </a:p>
+        </p:txBody>
+      </p:sp>
+      <p:sp>
+        <p:nvSpPr>
+          <p:cNvPr id="4" name="Content Placeholder 3"/>
+          <p:cNvSpPr>
+            <a:spLocks noGrp="1"/>
+          </p:cNvSpPr>
+          <p:nvPr>
+            <p:ph sz="half" idx="2"/>
+          </p:nvPr>
+        </p:nvSpPr>
+        <p:spPr>
+          <a:xfrm>
+            <a:off x="1447191" y="1860483"/>
+            <a:ext cx="4645152" cy="4249372"/>
+          </a:xfrm>
+        </p:spPr>
+        <p:txBody>
+          <a:bodyPr>
+            <a:noAutofit/>
+          </a:bodyPr>
+          <a:lstStyle/>
+          <a:p>
+            <a:pPr marL="457200" indent="-457200">
+              <a:buFont typeface="+mj-lt"/>
+              <a:buAutoNum type="arabicPeriod"/>
+            </a:pPr>
+            <a:r>
+              <a:rPr lang="en-US" sz="1600" dirty="0"/>
+              <a:t>Live multiplayer mode</a:t>
+            </a:r>
+          </a:p>
+          <a:p>
+            <a:pPr lvl="1"/>
+            <a:r>
+              <a:rPr lang="en-US" sz="1200" dirty="0" err="1"/>
+              <a:t>Kahoot</a:t>
+            </a:r>
+            <a:r>
+              <a:rPr lang="en-US" sz="1200" dirty="0"/>
+              <a:t>!</a:t>
+            </a:r>
+          </a:p>
+          <a:p>
+            <a:pPr lvl="1"/>
+            <a:r>
+              <a:rPr lang="en-US" sz="1200" dirty="0"/>
+              <a:t>User Teams</a:t>
+            </a:r>
+          </a:p>
+          <a:p>
+            <a:pPr marL="457200" indent="-457200">
+              <a:buFont typeface="+mj-lt"/>
+              <a:buAutoNum type="arabicPeriod"/>
+            </a:pPr>
+            <a:r>
+              <a:rPr lang="en-US" sz="1600" dirty="0"/>
+              <a:t>Continue to add questions to the game</a:t>
+            </a:r>
+          </a:p>
+          <a:p>
+            <a:pPr lvl="1"/>
+            <a:r>
+              <a:rPr lang="en-US" sz="1200" dirty="0"/>
+              <a:t>Separation of question categories; different game “themes”</a:t>
+            </a:r>
+          </a:p>
+          <a:p>
+            <a:pPr lvl="2"/>
+            <a:r>
+              <a:rPr lang="en-US" sz="1200" dirty="0"/>
+              <a:t>Ex: Healthy eating, muscle development, etc.</a:t>
+            </a:r>
+          </a:p>
+          <a:p>
+            <a:pPr marL="457200" indent="-457200">
+              <a:buFont typeface="+mj-lt"/>
+              <a:buAutoNum type="arabicPeriod"/>
+            </a:pPr>
+            <a:r>
+              <a:rPr lang="en-US" sz="1600" dirty="0"/>
+              <a:t>Full donations implementation</a:t>
+            </a:r>
+          </a:p>
+          <a:p>
+            <a:pPr marL="457200" indent="-457200">
+              <a:buFont typeface="+mj-lt"/>
+              <a:buAutoNum type="arabicPeriod"/>
+            </a:pPr>
+            <a:r>
+              <a:rPr lang="en-US" sz="1600" dirty="0"/>
+              <a:t>Work with advertisers to curate appropriate advertising and consistent funding</a:t>
+            </a:r>
+          </a:p>
+          <a:p>
+            <a:pPr lvl="1"/>
+            <a:r>
+              <a:rPr lang="en-US" sz="1200" dirty="0"/>
+              <a:t>System for ads to be reviews by government officials before they’re posted</a:t>
+            </a:r>
+          </a:p>
+        </p:txBody>
+      </p:sp>
+      <p:sp>
+        <p:nvSpPr>
+          <p:cNvPr id="6" name="Content Placeholder 5"/>
+          <p:cNvSpPr>
+            <a:spLocks noGrp="1"/>
+          </p:cNvSpPr>
+          <p:nvPr>
+            <p:ph sz="quarter" idx="4"/>
+          </p:nvPr>
+        </p:nvSpPr>
+        <p:spPr>
+          <a:xfrm>
+            <a:off x="6412362" y="1860483"/>
+            <a:ext cx="4645152" cy="4249372"/>
+          </a:xfrm>
+        </p:spPr>
+        <p:txBody>
+          <a:bodyPr/>
+          <a:lstStyle/>
+          <a:p>
+            <a:pPr marL="457200" indent="-457200">
+              <a:buFont typeface="+mj-lt"/>
+              <a:buAutoNum type="arabicPeriod" startAt="5"/>
+            </a:pPr>
+            <a:r>
+              <a:rPr lang="en-US" sz="1600" dirty="0"/>
+              <a:t>New features coming in the future, such as:</a:t>
+            </a:r>
+          </a:p>
+          <a:p>
+            <a:pPr lvl="1"/>
+            <a:r>
+              <a:rPr lang="en-US" sz="1200" dirty="0"/>
+              <a:t>Custom profile pictures</a:t>
+            </a:r>
+          </a:p>
+          <a:p>
+            <a:pPr lvl="1"/>
+            <a:r>
+              <a:rPr lang="en-US" sz="1200" dirty="0"/>
+              <a:t>Editable </a:t>
+            </a:r>
+            <a:r>
+              <a:rPr lang="en-US" sz="1200" dirty="0" err="1"/>
+              <a:t>userpages</a:t>
+            </a:r>
+            <a:endParaRPr lang="en-US" sz="1200" dirty="0"/>
+          </a:p>
+          <a:p>
+            <a:pPr lvl="2"/>
+            <a:r>
+              <a:rPr lang="en-US" sz="1200" dirty="0"/>
+              <a:t>Bio, background color</a:t>
+            </a:r>
+          </a:p>
+          <a:p>
+            <a:pPr lvl="1"/>
+            <a:r>
+              <a:rPr lang="en-US" sz="1200" dirty="0"/>
+              <a:t>Friends list</a:t>
+            </a:r>
+          </a:p>
+          <a:p>
+            <a:pPr lvl="1"/>
+            <a:r>
+              <a:rPr lang="en-US" sz="1200" dirty="0"/>
+              <a:t>Donor role</a:t>
+            </a:r>
+          </a:p>
+          <a:p>
+            <a:pPr lvl="1"/>
+            <a:r>
+              <a:rPr lang="en-US" sz="1200" dirty="0"/>
+              <a:t>Detailed site-wide statistics, categorized by month</a:t>
+            </a:r>
+          </a:p>
+          <a:p>
+            <a:pPr lvl="1"/>
+            <a:r>
+              <a:rPr lang="en-US" sz="1200" dirty="0"/>
+              <a:t>Generally-improved API</a:t>
+            </a:r>
+          </a:p>
+          <a:p>
+            <a:pPr marL="457200" indent="-457200">
+              <a:buFont typeface="+mj-lt"/>
+              <a:buAutoNum type="arabicPeriod" startAt="6"/>
+            </a:pPr>
+            <a:r>
+              <a:rPr lang="en-US" sz="1600" dirty="0"/>
+              <a:t>General site maintenance and testing</a:t>
+            </a:r>
+          </a:p>
+          <a:p>
+            <a:pPr lvl="1"/>
+            <a:r>
+              <a:rPr lang="en-US" sz="1200" dirty="0"/>
+              <a:t>Add animations throughout for a smoother user experience</a:t>
+            </a:r>
+          </a:p>
+          <a:p>
+            <a:pPr lvl="1"/>
+            <a:r>
+              <a:rPr lang="en-US" sz="1200" dirty="0"/>
+              <a:t>More diverse typography</a:t>
+            </a:r>
+          </a:p>
+          <a:p>
+            <a:pPr lvl="1"/>
+            <a:r>
+              <a:rPr lang="en-US" sz="1200" dirty="0"/>
+              <a:t>Mobile optimizations where needed</a:t>
+            </a:r>
+          </a:p>
+          <a:p>
             <a:endParaRPr lang="en-US" dirty="0"/>
-          </a:p>
-        </p:txBody>
-      </p:sp>
-      <p:sp>
-        <p:nvSpPr>
-          <p:cNvPr id="3" name="Text Placeholder 2"/>
-          <p:cNvSpPr>
-            <a:spLocks noGrp="1"/>
-          </p:cNvSpPr>
-          <p:nvPr>
-            <p:ph type="body" idx="1"/>
-          </p:nvPr>
-        </p:nvSpPr>
-        <p:spPr/>
-        <p:txBody>
-          <a:bodyPr/>
-          <a:lstStyle/>
-          <a:p>
-            <a:pPr algn="ctr"/>
-            <a:r>
-              <a:rPr lang="en-US" dirty="0" smtClean="0">
-                <a:hlinkClick r:id="rId2"/>
-              </a:rPr>
-              <a:t>https://fit-or-fail.herokuapp.com/</a:t>
-            </a:r>
-            <a:endParaRPr lang="en-US" dirty="0" smtClean="0"/>
           </a:p>
         </p:txBody>
       </p:sp>
     </p:spTree>
     <p:extLst>
       <p:ext uri="{BB962C8B-B14F-4D97-AF65-F5344CB8AC3E}">
-        <p14:creationId xmlns:p14="http://schemas.microsoft.com/office/powerpoint/2010/main" val="1074890419"/>
+        <p14:creationId xmlns:p14="http://schemas.microsoft.com/office/powerpoint/2010/main" val="2637069890"/>
       </p:ext>
     </p:extLst>
   </p:cSld>
@@ -6249,7 +5319,13 @@
       </p:grpSpPr>
       <p:sp>
         <p:nvSpPr>
-          <p:cNvPr id="2" name="Title 1"/>
+          <p:cNvPr id="2" name="Title 1">
+            <a:extLst>
+              <a:ext uri="{FF2B5EF4-FFF2-40B4-BE49-F238E27FC236}">
+                <a16:creationId xmlns:a16="http://schemas.microsoft.com/office/drawing/2014/main" id="{2CA9E641-81A2-44B5-B4CB-6723E8C21FE0}"/>
+              </a:ext>
+            </a:extLst>
+          </p:cNvPr>
           <p:cNvSpPr>
             <a:spLocks noGrp="1"/>
           </p:cNvSpPr>
@@ -6264,268 +5340,369 @@
           <a:p>
             <a:pPr algn="ctr"/>
             <a:r>
-              <a:rPr lang="en-US" dirty="0" smtClean="0"/>
-              <a:t>Next Steps</a:t>
+              <a:rPr lang="en-US" dirty="0"/>
+              <a:t>What Sets Our Product Apart</a:t>
+            </a:r>
+          </a:p>
+        </p:txBody>
+      </p:sp>
+      <p:sp>
+        <p:nvSpPr>
+          <p:cNvPr id="3" name="TextBox 2">
+            <a:extLst>
+              <a:ext uri="{FF2B5EF4-FFF2-40B4-BE49-F238E27FC236}">
+                <a16:creationId xmlns:a16="http://schemas.microsoft.com/office/drawing/2014/main" id="{B41DE0C5-0AA1-4424-AD6A-08C65573B5FE}"/>
+              </a:ext>
+            </a:extLst>
+          </p:cNvPr>
+          <p:cNvSpPr txBox="1"/>
+          <p:nvPr/>
+        </p:nvSpPr>
+        <p:spPr>
+          <a:xfrm>
+            <a:off x="1451579" y="1853754"/>
+            <a:ext cx="9603275" cy="4247317"/>
+          </a:xfrm>
+          <a:prstGeom prst="rect">
+            <a:avLst/>
+          </a:prstGeom>
+          <a:noFill/>
+        </p:spPr>
+        <p:txBody>
+          <a:bodyPr wrap="square" rtlCol="0">
+            <a:spAutoFit/>
+          </a:bodyPr>
+          <a:lstStyle/>
+          <a:p>
+            <a:pPr marL="285750" indent="-285750">
+              <a:buFont typeface="Arial" panose="020B0604020202020204" pitchFamily="34" charset="0"/>
+              <a:buChar char="•"/>
+            </a:pPr>
+            <a:r>
+              <a:rPr lang="en-US" dirty="0"/>
+              <a:t>Mobile-first, garnering the most traffic, especially for our target demographic</a:t>
+            </a:r>
+          </a:p>
+          <a:p>
+            <a:pPr marL="285750" indent="-285750">
+              <a:buFont typeface="Arial" panose="020B0604020202020204" pitchFamily="34" charset="0"/>
+              <a:buChar char="•"/>
+            </a:pPr>
+            <a:r>
+              <a:rPr lang="en-US" dirty="0"/>
+              <a:t>Next.js</a:t>
+            </a:r>
+          </a:p>
+          <a:p>
+            <a:pPr marL="742950" lvl="1" indent="-285750">
+              <a:buFont typeface="Arial" panose="020B0604020202020204" pitchFamily="34" charset="0"/>
+              <a:buChar char="•"/>
+            </a:pPr>
+            <a:r>
+              <a:rPr lang="en-US" dirty="0"/>
+              <a:t>Not just another bulky </a:t>
+            </a:r>
+            <a:r>
+              <a:rPr lang="en-US" dirty="0">
+                <a:latin typeface="Consolas" panose="020B0609020204030204" pitchFamily="49" charset="0"/>
+              </a:rPr>
+              <a:t>create-react-app</a:t>
             </a:r>
             <a:endParaRPr lang="en-US" dirty="0"/>
           </a:p>
-        </p:txBody>
-      </p:sp>
-      <p:sp>
-        <p:nvSpPr>
-          <p:cNvPr id="4" name="Content Placeholder 3"/>
-          <p:cNvSpPr>
-            <a:spLocks noGrp="1"/>
-          </p:cNvSpPr>
-          <p:nvPr>
-            <p:ph sz="half" idx="2"/>
-          </p:nvPr>
-        </p:nvSpPr>
-        <p:spPr>
-          <a:xfrm>
-            <a:off x="1447191" y="1860483"/>
-            <a:ext cx="4645152" cy="4249372"/>
-          </a:xfrm>
-        </p:spPr>
-        <p:txBody>
-          <a:bodyPr>
-            <a:noAutofit/>
-          </a:bodyPr>
-          <a:lstStyle/>
-          <a:p>
-            <a:pPr marL="457200" indent="-457200">
-              <a:buFont typeface="+mj-lt"/>
-              <a:buAutoNum type="arabicPeriod"/>
+          <a:p>
+            <a:pPr marL="742950" lvl="1" indent="-285750">
+              <a:buFont typeface="Arial" panose="020B0604020202020204" pitchFamily="34" charset="0"/>
+              <a:buChar char="•"/>
             </a:pPr>
             <a:r>
-              <a:rPr lang="en-US" sz="1600" dirty="0"/>
-              <a:t>Live multiplayer mode</a:t>
-            </a:r>
-          </a:p>
-          <a:p>
-            <a:pPr lvl="1"/>
-            <a:r>
-              <a:rPr lang="en-US" sz="1200" dirty="0" err="1"/>
-              <a:t>Kahoot</a:t>
-            </a:r>
-            <a:r>
-              <a:rPr lang="en-US" sz="1200" dirty="0"/>
-              <a:t>!</a:t>
-            </a:r>
-          </a:p>
-          <a:p>
-            <a:pPr lvl="1"/>
-            <a:r>
-              <a:rPr lang="en-US" sz="1200" dirty="0"/>
-              <a:t>User Teams</a:t>
-            </a:r>
-          </a:p>
-          <a:p>
-            <a:pPr marL="457200" indent="-457200">
-              <a:buFont typeface="+mj-lt"/>
-              <a:buAutoNum type="arabicPeriod"/>
+              <a:rPr lang="en-US" dirty="0"/>
+              <a:t>Server-Side Rendering and pre-rendering to static HTML</a:t>
+            </a:r>
+          </a:p>
+          <a:p>
+            <a:pPr marL="1200150" lvl="2" indent="-285750">
+              <a:buFont typeface="Arial" panose="020B0604020202020204" pitchFamily="34" charset="0"/>
+              <a:buChar char="•"/>
             </a:pPr>
             <a:r>
-              <a:rPr lang="en-US" sz="1600" dirty="0"/>
-              <a:t>Continue to add questions to the game</a:t>
-            </a:r>
-          </a:p>
-          <a:p>
-            <a:pPr lvl="1"/>
-            <a:r>
-              <a:rPr lang="en-US" sz="1200" dirty="0"/>
-              <a:t>Separation of question categories; different game “themes”</a:t>
-            </a:r>
-          </a:p>
-          <a:p>
-            <a:pPr lvl="2"/>
-            <a:r>
-              <a:rPr lang="en-US" sz="1200" dirty="0"/>
-              <a:t>Ex: Healthy eating, muscle development, etc.</a:t>
-            </a:r>
-          </a:p>
-          <a:p>
-            <a:pPr marL="457200" indent="-457200">
-              <a:buFont typeface="+mj-lt"/>
-              <a:buAutoNum type="arabicPeriod"/>
+              <a:rPr lang="en-US" dirty="0"/>
+              <a:t>Pages delivered blazingly fast: place static files on the edge (CDN)</a:t>
+            </a:r>
+          </a:p>
+          <a:p>
+            <a:pPr marL="1200150" lvl="2" indent="-285750">
+              <a:buFont typeface="Arial" panose="020B0604020202020204" pitchFamily="34" charset="0"/>
+              <a:buChar char="•"/>
             </a:pPr>
             <a:r>
-              <a:rPr lang="en-US" sz="1600" dirty="0"/>
-              <a:t>Full donations implementation</a:t>
-            </a:r>
-          </a:p>
-          <a:p>
-            <a:pPr marL="457200" indent="-457200">
-              <a:buFont typeface="+mj-lt"/>
-              <a:buAutoNum type="arabicPeriod"/>
+              <a:rPr lang="en-US" dirty="0"/>
+              <a:t>SEO-friendly</a:t>
+            </a:r>
+          </a:p>
+          <a:p>
+            <a:pPr marL="1200150" lvl="2" indent="-285750">
+              <a:buFont typeface="Arial" panose="020B0604020202020204" pitchFamily="34" charset="0"/>
+              <a:buChar char="•"/>
             </a:pPr>
             <a:r>
-              <a:rPr lang="en-US" sz="1600" dirty="0"/>
-              <a:t>Work with advertisers to curate appropriate advertising and consistent funding</a:t>
-            </a:r>
-          </a:p>
-          <a:p>
-            <a:pPr lvl="1"/>
-            <a:r>
-              <a:rPr lang="en-US" sz="1200" dirty="0"/>
-              <a:t>System for ads to be reviews by government officials before they’re </a:t>
-            </a:r>
-            <a:r>
-              <a:rPr lang="en-US" sz="1200" dirty="0" smtClean="0"/>
-              <a:t>posted</a:t>
-            </a:r>
-            <a:endParaRPr lang="en-US" sz="1200" dirty="0"/>
-          </a:p>
-        </p:txBody>
-      </p:sp>
-      <p:sp>
-        <p:nvSpPr>
-          <p:cNvPr id="6" name="Content Placeholder 5"/>
-          <p:cNvSpPr>
-            <a:spLocks noGrp="1"/>
-          </p:cNvSpPr>
-          <p:nvPr>
-            <p:ph sz="quarter" idx="4"/>
-          </p:nvPr>
-        </p:nvSpPr>
-        <p:spPr>
-          <a:xfrm>
-            <a:off x="6412362" y="1860483"/>
-            <a:ext cx="4645152" cy="4249372"/>
-          </a:xfrm>
-        </p:spPr>
-        <p:txBody>
-          <a:bodyPr/>
-          <a:lstStyle/>
-          <a:p>
-            <a:pPr marL="457200" indent="-457200">
-              <a:buFont typeface="+mj-lt"/>
-              <a:buAutoNum type="arabicPeriod" startAt="5"/>
+              <a:rPr lang="en-US" dirty="0"/>
+              <a:t>Future-proof in terms of web development trends</a:t>
+            </a:r>
+          </a:p>
+          <a:p>
+            <a:pPr marL="742950" lvl="1" indent="-285750">
+              <a:buFont typeface="Arial" panose="020B0604020202020204" pitchFamily="34" charset="0"/>
+              <a:buChar char="•"/>
             </a:pPr>
             <a:r>
-              <a:rPr lang="en-US" sz="1600" dirty="0"/>
-              <a:t>New features coming in the future, such as</a:t>
-            </a:r>
-            <a:r>
-              <a:rPr lang="en-US" sz="1600" dirty="0" smtClean="0"/>
-              <a:t>:</a:t>
-            </a:r>
-            <a:endParaRPr lang="en-US" sz="1600" dirty="0"/>
-          </a:p>
-          <a:p>
-            <a:pPr lvl="1"/>
-            <a:r>
-              <a:rPr lang="en-US" sz="1200" dirty="0" smtClean="0"/>
-              <a:t>Custom profile pictures</a:t>
-            </a:r>
-          </a:p>
-          <a:p>
-            <a:pPr lvl="1"/>
-            <a:r>
-              <a:rPr lang="en-US" sz="1200" dirty="0" smtClean="0"/>
-              <a:t>Editable </a:t>
-            </a:r>
-            <a:r>
-              <a:rPr lang="en-US" sz="1200" dirty="0" err="1" smtClean="0"/>
-              <a:t>userpages</a:t>
-            </a:r>
-            <a:endParaRPr lang="en-US" sz="1200" dirty="0"/>
-          </a:p>
-          <a:p>
-            <a:pPr lvl="2"/>
-            <a:r>
-              <a:rPr lang="en-US" sz="1200" dirty="0"/>
-              <a:t>Bio, background color</a:t>
-            </a:r>
-          </a:p>
-          <a:p>
-            <a:pPr lvl="1"/>
-            <a:r>
-              <a:rPr lang="en-US" sz="1200" dirty="0"/>
-              <a:t>Friends list</a:t>
-            </a:r>
-          </a:p>
-          <a:p>
-            <a:pPr lvl="1"/>
-            <a:r>
-              <a:rPr lang="en-US" sz="1200" dirty="0" smtClean="0"/>
-              <a:t>Donor role</a:t>
-            </a:r>
-          </a:p>
-          <a:p>
-            <a:pPr lvl="1"/>
-            <a:r>
-              <a:rPr lang="en-US" sz="1200" dirty="0" smtClean="0"/>
-              <a:t>Detailed </a:t>
-            </a:r>
-            <a:r>
-              <a:rPr lang="en-US" sz="1200" dirty="0"/>
-              <a:t>site-wide statistics, categorized by month</a:t>
-            </a:r>
-          </a:p>
-          <a:p>
-            <a:pPr lvl="1"/>
-            <a:r>
-              <a:rPr lang="en-US" sz="1200" dirty="0"/>
-              <a:t>Generally-improved </a:t>
-            </a:r>
-            <a:r>
-              <a:rPr lang="en-US" sz="1200" dirty="0" smtClean="0"/>
-              <a:t>API</a:t>
-            </a:r>
-          </a:p>
-          <a:p>
-            <a:pPr marL="457200" indent="-457200">
-              <a:buFont typeface="+mj-lt"/>
-              <a:buAutoNum type="arabicPeriod" startAt="6"/>
+              <a:rPr lang="en-US" dirty="0"/>
+              <a:t>Deployment of site is simple and fast</a:t>
+            </a:r>
+          </a:p>
+          <a:p>
+            <a:pPr marL="742950" lvl="1" indent="-285750">
+              <a:buFont typeface="Arial" panose="020B0604020202020204" pitchFamily="34" charset="0"/>
+              <a:buChar char="•"/>
             </a:pPr>
             <a:r>
-              <a:rPr lang="en-US" sz="1600" dirty="0" smtClean="0"/>
-              <a:t>General </a:t>
-            </a:r>
-            <a:r>
-              <a:rPr lang="en-US" sz="1600" dirty="0"/>
-              <a:t>site maintenance and testing</a:t>
-            </a:r>
-          </a:p>
-          <a:p>
-            <a:pPr lvl="1"/>
-            <a:r>
-              <a:rPr lang="en-US" sz="1200" dirty="0"/>
-              <a:t>Add animations throughout </a:t>
-            </a:r>
-            <a:r>
-              <a:rPr lang="en-US" sz="1200" dirty="0" smtClean="0"/>
-              <a:t>for </a:t>
-            </a:r>
-            <a:r>
-              <a:rPr lang="en-US" sz="1200" dirty="0"/>
-              <a:t>a smoother user experience</a:t>
-            </a:r>
-          </a:p>
-          <a:p>
-            <a:pPr lvl="1"/>
-            <a:r>
-              <a:rPr lang="en-US" sz="1200" dirty="0"/>
-              <a:t>More diverse typography</a:t>
-            </a:r>
-          </a:p>
-          <a:p>
-            <a:pPr lvl="1"/>
-            <a:r>
-              <a:rPr lang="en-US" sz="1200" dirty="0"/>
-              <a:t>Mobile optimizations where needed</a:t>
-            </a:r>
-          </a:p>
-          <a:p>
-            <a:endParaRPr lang="en-US" dirty="0"/>
-          </a:p>
-        </p:txBody>
-      </p:sp>
+              <a:rPr lang="en-US" dirty="0"/>
+              <a:t>One of the most popular React frameworks that has continuous growth</a:t>
+            </a:r>
+          </a:p>
+          <a:p>
+            <a:pPr marL="1200150" lvl="2" indent="-285750">
+              <a:buFont typeface="Arial" panose="020B0604020202020204" pitchFamily="34" charset="0"/>
+              <a:buChar char="•"/>
+            </a:pPr>
+            <a:r>
+              <a:rPr lang="en-US" dirty="0"/>
+              <a:t>Netflix, </a:t>
+            </a:r>
+            <a:r>
+              <a:rPr lang="en-US" dirty="0" err="1"/>
+              <a:t>Tencent</a:t>
+            </a:r>
+            <a:r>
+              <a:rPr lang="en-US" dirty="0"/>
+              <a:t>, Hulu, GitHub, Twitch, Uber, Starbucks, Docker, </a:t>
+            </a:r>
+            <a:r>
+              <a:rPr lang="en-US" dirty="0" err="1"/>
+              <a:t>Coinbase</a:t>
+            </a:r>
+            <a:r>
+              <a:rPr lang="en-US" dirty="0"/>
+              <a:t>…</a:t>
+            </a:r>
+          </a:p>
+          <a:p>
+            <a:pPr marL="1200150" lvl="2" indent="-285750">
+              <a:buFont typeface="Arial" panose="020B0604020202020204" pitchFamily="34" charset="0"/>
+              <a:buChar char="•"/>
+            </a:pPr>
+            <a:r>
+              <a:rPr lang="en-US" dirty="0"/>
+              <a:t>Just received $21M Series A Funding</a:t>
+            </a:r>
+          </a:p>
+          <a:p>
+            <a:pPr marL="285750" indent="-285750">
+              <a:buFont typeface="Arial" panose="020B0604020202020204" pitchFamily="34" charset="0"/>
+              <a:buChar char="•"/>
+            </a:pPr>
+            <a:r>
+              <a:rPr lang="en-US" dirty="0"/>
+              <a:t>Entirely custom</a:t>
+            </a:r>
+          </a:p>
+          <a:p>
+            <a:pPr marL="742950" lvl="1" indent="-285750">
+              <a:buFont typeface="Arial" panose="020B0604020202020204" pitchFamily="34" charset="0"/>
+              <a:buChar char="•"/>
+            </a:pPr>
+            <a:r>
+              <a:rPr lang="en-US" dirty="0"/>
+              <a:t>Written in the languages that developers already know and love</a:t>
+            </a:r>
+          </a:p>
+          <a:p>
+            <a:pPr marL="742950" lvl="1" indent="-285750">
+              <a:buFont typeface="Arial" panose="020B0604020202020204" pitchFamily="34" charset="0"/>
+              <a:buChar char="•"/>
+            </a:pPr>
+            <a:r>
+              <a:rPr lang="en-US" dirty="0"/>
+              <a:t>Not predicated on restrictive 3</a:t>
+            </a:r>
+            <a:r>
+              <a:rPr lang="en-US" baseline="30000" dirty="0"/>
+              <a:t>rd</a:t>
+            </a:r>
+            <a:r>
+              <a:rPr lang="en-US" dirty="0"/>
+              <a:t>-party services or obscure technologies</a:t>
+            </a:r>
+          </a:p>
+          <a:p>
+            <a:pPr marL="742950" lvl="1" indent="-285750">
+              <a:buFont typeface="Arial" panose="020B0604020202020204" pitchFamily="34" charset="0"/>
+              <a:buChar char="•"/>
+            </a:pPr>
+            <a:r>
+              <a:rPr lang="en-US" dirty="0"/>
+              <a:t>Easy to expand and tweak on the fly</a:t>
+            </a:r>
+          </a:p>
+        </p:txBody>
+      </p:sp>
+      <p:pic>
+        <p:nvPicPr>
+          <p:cNvPr id="4" name="Picture 3"/>
+          <p:cNvPicPr>
+            <a:picLocks noChangeAspect="1"/>
+          </p:cNvPicPr>
+          <p:nvPr/>
+        </p:nvPicPr>
+        <p:blipFill rotWithShape="1">
+          <a:blip r:embed="rId2">
+            <a:extLst>
+              <a:ext uri="{28A0092B-C50C-407E-A947-70E740481C1C}">
+                <a14:useLocalDpi xmlns:a14="http://schemas.microsoft.com/office/drawing/2010/main" val="0"/>
+              </a:ext>
+            </a:extLst>
+          </a:blip>
+          <a:srcRect l="33273" r="33379"/>
+          <a:stretch/>
+        </p:blipFill>
+        <p:spPr>
+          <a:xfrm>
+            <a:off x="8935109" y="2084647"/>
+            <a:ext cx="2119745" cy="2118822"/>
+          </a:xfrm>
+          <a:prstGeom prst="rect">
+            <a:avLst/>
+          </a:prstGeom>
+        </p:spPr>
+      </p:pic>
+      <p:pic>
+        <p:nvPicPr>
+          <p:cNvPr id="1026" name="Picture 2" descr="React (web framework) - Wikipedia"/>
+          <p:cNvPicPr>
+            <a:picLocks noChangeAspect="1" noChangeArrowheads="1"/>
+          </p:cNvPicPr>
+          <p:nvPr/>
+        </p:nvPicPr>
+        <p:blipFill>
+          <a:blip r:embed="rId3" cstate="hqprint">
+            <a:extLst>
+              <a:ext uri="{BEBA8EAE-BF5A-486C-A8C5-ECC9F3942E4B}">
+                <a14:imgProps xmlns:a14="http://schemas.microsoft.com/office/drawing/2010/main">
+                  <a14:imgLayer r:embed="rId4">
+                    <a14:imgEffect>
+                      <a14:colorTemperature colorTemp="7200"/>
+                    </a14:imgEffect>
+                  </a14:imgLayer>
+                </a14:imgProps>
+              </a:ext>
+              <a:ext uri="{28A0092B-C50C-407E-A947-70E740481C1C}">
+                <a14:useLocalDpi xmlns:a14="http://schemas.microsoft.com/office/drawing/2010/main" val="0"/>
+              </a:ext>
+            </a:extLst>
+          </a:blip>
+          <a:srcRect/>
+          <a:stretch>
+            <a:fillRect/>
+          </a:stretch>
+        </p:blipFill>
+        <p:spPr bwMode="auto">
+          <a:xfrm>
+            <a:off x="-445138" y="4389120"/>
+            <a:ext cx="2595767" cy="1834342"/>
+          </a:xfrm>
+          <a:prstGeom prst="rect">
+            <a:avLst/>
+          </a:prstGeom>
+          <a:noFill/>
+          <a:extLst>
+            <a:ext uri="{909E8E84-426E-40DD-AFC4-6F175D3DCCD1}">
+              <a14:hiddenFill xmlns:a14="http://schemas.microsoft.com/office/drawing/2010/main">
+                <a:solidFill>
+                  <a:srgbClr val="FFFFFF"/>
+                </a:solidFill>
+              </a14:hiddenFill>
+            </a:ext>
+          </a:extLst>
+        </p:spPr>
+      </p:pic>
+      <p:pic>
+        <p:nvPicPr>
+          <p:cNvPr id="1030" name="Picture 6" descr="Web Apps Development Certification Course | Learn Node.js, Express ..."/>
+          <p:cNvPicPr>
+            <a:picLocks noChangeAspect="1" noChangeArrowheads="1"/>
+          </p:cNvPicPr>
+          <p:nvPr/>
+        </p:nvPicPr>
+        <p:blipFill>
+          <a:blip r:embed="rId5">
+            <a:extLst>
+              <a:ext uri="{28A0092B-C50C-407E-A947-70E740481C1C}">
+                <a14:useLocalDpi xmlns:a14="http://schemas.microsoft.com/office/drawing/2010/main" val="0"/>
+              </a:ext>
+            </a:extLst>
+          </a:blip>
+          <a:srcRect/>
+          <a:stretch>
+            <a:fillRect/>
+          </a:stretch>
+        </p:blipFill>
+        <p:spPr bwMode="auto">
+          <a:xfrm>
+            <a:off x="124690" y="131550"/>
+            <a:ext cx="2372499" cy="1345938"/>
+          </a:xfrm>
+          <a:prstGeom prst="rect">
+            <a:avLst/>
+          </a:prstGeom>
+          <a:noFill/>
+          <a:extLst>
+            <a:ext uri="{909E8E84-426E-40DD-AFC4-6F175D3DCCD1}">
+              <a14:hiddenFill xmlns:a14="http://schemas.microsoft.com/office/drawing/2010/main">
+                <a:solidFill>
+                  <a:srgbClr val="FFFFFF"/>
+                </a:solidFill>
+              </a14:hiddenFill>
+            </a:ext>
+          </a:extLst>
+        </p:spPr>
+      </p:pic>
+      <p:pic>
+        <p:nvPicPr>
+          <p:cNvPr id="5" name="Picture 4"/>
+          <p:cNvPicPr>
+            <a:picLocks noChangeAspect="1"/>
+          </p:cNvPicPr>
+          <p:nvPr/>
+        </p:nvPicPr>
+        <p:blipFill rotWithShape="1">
+          <a:blip r:embed="rId6"/>
+          <a:srcRect r="21825"/>
+          <a:stretch/>
+        </p:blipFill>
+        <p:spPr>
+          <a:xfrm>
+            <a:off x="9303429" y="5244639"/>
+            <a:ext cx="2803464" cy="795820"/>
+          </a:xfrm>
+          <a:prstGeom prst="rect">
+            <a:avLst/>
+          </a:prstGeom>
+        </p:spPr>
+      </p:pic>
     </p:spTree>
     <p:extLst>
       <p:ext uri="{BB962C8B-B14F-4D97-AF65-F5344CB8AC3E}">
-        <p14:creationId xmlns:p14="http://schemas.microsoft.com/office/powerpoint/2010/main" val="2637069890"/>
+        <p14:creationId xmlns:p14="http://schemas.microsoft.com/office/powerpoint/2010/main" val="1434568507"/>
       </p:ext>
     </p:extLst>
   </p:cSld>
